--- a/Assignment_01/Assignment_02_Presentation.pptx
+++ b/Assignment_01/Assignment_02_Presentation.pptx
@@ -5,17 +5,18 @@
     <p:sldMasterId id="2147483648" r:id="rId1"/>
   </p:sldMasterIdLst>
   <p:sldIdLst>
-    <p:sldId id="256" r:id="rId7"/>
-    <p:sldId id="257" r:id="rId8"/>
-    <p:sldId id="258" r:id="rId9"/>
-    <p:sldId id="259" r:id="rId10"/>
-    <p:sldId id="260" r:id="rId11"/>
-    <p:sldId id="261" r:id="rId12"/>
-    <p:sldId id="262" r:id="rId13"/>
-    <p:sldId id="263" r:id="rId14"/>
-    <p:sldId id="264" r:id="rId15"/>
-    <p:sldId id="265" r:id="rId16"/>
-    <p:sldId id="266" r:id="rId17"/>
+    <p:sldId id="267" r:id="rId2"/>
+    <p:sldId id="256" r:id="rId3"/>
+    <p:sldId id="257" r:id="rId4"/>
+    <p:sldId id="258" r:id="rId5"/>
+    <p:sldId id="259" r:id="rId6"/>
+    <p:sldId id="260" r:id="rId7"/>
+    <p:sldId id="261" r:id="rId8"/>
+    <p:sldId id="262" r:id="rId9"/>
+    <p:sldId id="263" r:id="rId10"/>
+    <p:sldId id="264" r:id="rId11"/>
+    <p:sldId id="265" r:id="rId12"/>
+    <p:sldId id="266" r:id="rId13"/>
   </p:sldIdLst>
   <p:sldSz cx="9144000" cy="6858000" type="screen4x3"/>
   <p:notesSz cx="6858000" cy="9144000"/>
@@ -114,6 +115,22 @@
       </a:defRPr>
     </a:lvl9pPr>
   </p:defaultTextStyle>
+  <p:extLst>
+    <p:ext uri="{EFAFB233-063F-42B5-8137-9DF3F51BA10A}">
+      <p15:sldGuideLst xmlns:p15="http://schemas.microsoft.com/office/powerpoint/2012/main">
+        <p15:guide id="1" orient="horz" pos="2160">
+          <p15:clr>
+            <a:srgbClr val="A4A3A4"/>
+          </p15:clr>
+        </p15:guide>
+        <p15:guide id="2" pos="2880">
+          <p15:clr>
+            <a:srgbClr val="A4A3A4"/>
+          </p15:clr>
+        </p15:guide>
+      </p15:sldGuideLst>
+    </p:ext>
+  </p:extLst>
 </p:presentation>
 </file>
 
@@ -155,10 +172,9 @@
           <a:lstStyle/>
           <a:p>
             <a:r>
-              <a:rPr lang="en-US" smtClean="0"/>
+              <a:rPr lang="en-US"/>
               <a:t>Click to edit Master title style</a:t>
             </a:r>
-            <a:endParaRPr lang="en-US"/>
           </a:p>
         </p:txBody>
       </p:sp>
@@ -274,10 +290,9 @@
           </a:lstStyle>
           <a:p>
             <a:r>
-              <a:rPr lang="en-US" smtClean="0"/>
+              <a:rPr lang="en-US"/>
               <a:t>Click to edit Master subtitle style</a:t>
             </a:r>
-            <a:endParaRPr lang="en-US"/>
           </a:p>
         </p:txBody>
       </p:sp>
@@ -298,7 +313,7 @@
           <a:p>
             <a:fld id="{5BCAD085-E8A6-8845-BD4E-CB4CCA059FC4}" type="datetimeFigureOut">
               <a:rPr lang="en-US" smtClean="0"/>
-              <a:t>1/27/13</a:t>
+              <a:t>1/18/2026</a:t>
             </a:fld>
             <a:endParaRPr lang="en-US"/>
           </a:p>
@@ -392,10 +407,9 @@
           <a:lstStyle/>
           <a:p>
             <a:r>
-              <a:rPr lang="en-US" smtClean="0"/>
+              <a:rPr lang="en-US"/>
               <a:t>Click to edit Master title style</a:t>
             </a:r>
-            <a:endParaRPr lang="en-US"/>
           </a:p>
         </p:txBody>
       </p:sp>
@@ -416,38 +430,37 @@
           <a:p>
             <a:pPr lvl="0"/>
             <a:r>
-              <a:rPr lang="en-US" smtClean="0"/>
+              <a:rPr lang="en-US"/>
               <a:t>Click to edit Master text styles</a:t>
             </a:r>
           </a:p>
           <a:p>
             <a:pPr lvl="1"/>
             <a:r>
-              <a:rPr lang="en-US" smtClean="0"/>
+              <a:rPr lang="en-US"/>
               <a:t>Second level</a:t>
             </a:r>
           </a:p>
           <a:p>
             <a:pPr lvl="2"/>
             <a:r>
-              <a:rPr lang="en-US" smtClean="0"/>
+              <a:rPr lang="en-US"/>
               <a:t>Third level</a:t>
             </a:r>
           </a:p>
           <a:p>
             <a:pPr lvl="3"/>
             <a:r>
-              <a:rPr lang="en-US" smtClean="0"/>
+              <a:rPr lang="en-US"/>
               <a:t>Fourth level</a:t>
             </a:r>
           </a:p>
           <a:p>
             <a:pPr lvl="4"/>
             <a:r>
-              <a:rPr lang="en-US" smtClean="0"/>
+              <a:rPr lang="en-US"/>
               <a:t>Fifth level</a:t>
             </a:r>
-            <a:endParaRPr lang="en-US"/>
           </a:p>
         </p:txBody>
       </p:sp>
@@ -468,7 +481,7 @@
           <a:p>
             <a:fld id="{5BCAD085-E8A6-8845-BD4E-CB4CCA059FC4}" type="datetimeFigureOut">
               <a:rPr lang="en-US" smtClean="0"/>
-              <a:t>1/27/13</a:t>
+              <a:t>1/18/2026</a:t>
             </a:fld>
             <a:endParaRPr lang="en-US"/>
           </a:p>
@@ -567,10 +580,9 @@
           <a:lstStyle/>
           <a:p>
             <a:r>
-              <a:rPr lang="en-US" smtClean="0"/>
+              <a:rPr lang="en-US"/>
               <a:t>Click to edit Master title style</a:t>
             </a:r>
-            <a:endParaRPr lang="en-US"/>
           </a:p>
         </p:txBody>
       </p:sp>
@@ -596,38 +608,37 @@
           <a:p>
             <a:pPr lvl="0"/>
             <a:r>
-              <a:rPr lang="en-US" smtClean="0"/>
+              <a:rPr lang="en-US"/>
               <a:t>Click to edit Master text styles</a:t>
             </a:r>
           </a:p>
           <a:p>
             <a:pPr lvl="1"/>
             <a:r>
-              <a:rPr lang="en-US" smtClean="0"/>
+              <a:rPr lang="en-US"/>
               <a:t>Second level</a:t>
             </a:r>
           </a:p>
           <a:p>
             <a:pPr lvl="2"/>
             <a:r>
-              <a:rPr lang="en-US" smtClean="0"/>
+              <a:rPr lang="en-US"/>
               <a:t>Third level</a:t>
             </a:r>
           </a:p>
           <a:p>
             <a:pPr lvl="3"/>
             <a:r>
-              <a:rPr lang="en-US" smtClean="0"/>
+              <a:rPr lang="en-US"/>
               <a:t>Fourth level</a:t>
             </a:r>
           </a:p>
           <a:p>
             <a:pPr lvl="4"/>
             <a:r>
-              <a:rPr lang="en-US" smtClean="0"/>
+              <a:rPr lang="en-US"/>
               <a:t>Fifth level</a:t>
             </a:r>
-            <a:endParaRPr lang="en-US"/>
           </a:p>
         </p:txBody>
       </p:sp>
@@ -648,7 +659,7 @@
           <a:p>
             <a:fld id="{5BCAD085-E8A6-8845-BD4E-CB4CCA059FC4}" type="datetimeFigureOut">
               <a:rPr lang="en-US" smtClean="0"/>
-              <a:t>1/27/13</a:t>
+              <a:t>1/18/2026</a:t>
             </a:fld>
             <a:endParaRPr lang="en-US"/>
           </a:p>
@@ -742,10 +753,9 @@
           <a:lstStyle/>
           <a:p>
             <a:r>
-              <a:rPr lang="en-US" smtClean="0"/>
+              <a:rPr lang="en-US"/>
               <a:t>Click to edit Master title style</a:t>
             </a:r>
-            <a:endParaRPr lang="en-US"/>
           </a:p>
         </p:txBody>
       </p:sp>
@@ -766,38 +776,37 @@
           <a:p>
             <a:pPr lvl="0"/>
             <a:r>
-              <a:rPr lang="en-US" smtClean="0"/>
+              <a:rPr lang="en-US"/>
               <a:t>Click to edit Master text styles</a:t>
             </a:r>
           </a:p>
           <a:p>
             <a:pPr lvl="1"/>
             <a:r>
-              <a:rPr lang="en-US" smtClean="0"/>
+              <a:rPr lang="en-US"/>
               <a:t>Second level</a:t>
             </a:r>
           </a:p>
           <a:p>
             <a:pPr lvl="2"/>
             <a:r>
-              <a:rPr lang="en-US" smtClean="0"/>
+              <a:rPr lang="en-US"/>
               <a:t>Third level</a:t>
             </a:r>
           </a:p>
           <a:p>
             <a:pPr lvl="3"/>
             <a:r>
-              <a:rPr lang="en-US" smtClean="0"/>
+              <a:rPr lang="en-US"/>
               <a:t>Fourth level</a:t>
             </a:r>
           </a:p>
           <a:p>
             <a:pPr lvl="4"/>
             <a:r>
-              <a:rPr lang="en-US" smtClean="0"/>
+              <a:rPr lang="en-US"/>
               <a:t>Fifth level</a:t>
             </a:r>
-            <a:endParaRPr lang="en-US"/>
           </a:p>
         </p:txBody>
       </p:sp>
@@ -818,7 +827,7 @@
           <a:p>
             <a:fld id="{5BCAD085-E8A6-8845-BD4E-CB4CCA059FC4}" type="datetimeFigureOut">
               <a:rPr lang="en-US" smtClean="0"/>
-              <a:t>1/27/13</a:t>
+              <a:t>1/18/2026</a:t>
             </a:fld>
             <a:endParaRPr lang="en-US"/>
           </a:p>
@@ -921,10 +930,9 @@
           </a:lstStyle>
           <a:p>
             <a:r>
-              <a:rPr lang="en-US" smtClean="0"/>
+              <a:rPr lang="en-US"/>
               <a:t>Click to edit Master title style</a:t>
             </a:r>
-            <a:endParaRPr lang="en-US"/>
           </a:p>
         </p:txBody>
       </p:sp>
@@ -1041,7 +1049,7 @@
           <a:p>
             <a:pPr lvl="0"/>
             <a:r>
-              <a:rPr lang="en-US" smtClean="0"/>
+              <a:rPr lang="en-US"/>
               <a:t>Click to edit Master text styles</a:t>
             </a:r>
           </a:p>
@@ -1064,7 +1072,7 @@
           <a:p>
             <a:fld id="{5BCAD085-E8A6-8845-BD4E-CB4CCA059FC4}" type="datetimeFigureOut">
               <a:rPr lang="en-US" smtClean="0"/>
-              <a:t>1/27/13</a:t>
+              <a:t>1/18/2026</a:t>
             </a:fld>
             <a:endParaRPr lang="en-US"/>
           </a:p>
@@ -1158,10 +1166,9 @@
           <a:lstStyle/>
           <a:p>
             <a:r>
-              <a:rPr lang="en-US" smtClean="0"/>
+              <a:rPr lang="en-US"/>
               <a:t>Click to edit Master title style</a:t>
             </a:r>
-            <a:endParaRPr lang="en-US"/>
           </a:p>
         </p:txBody>
       </p:sp>
@@ -1215,38 +1222,37 @@
           <a:p>
             <a:pPr lvl="0"/>
             <a:r>
-              <a:rPr lang="en-US" smtClean="0"/>
+              <a:rPr lang="en-US"/>
               <a:t>Click to edit Master text styles</a:t>
             </a:r>
           </a:p>
           <a:p>
             <a:pPr lvl="1"/>
             <a:r>
-              <a:rPr lang="en-US" smtClean="0"/>
+              <a:rPr lang="en-US"/>
               <a:t>Second level</a:t>
             </a:r>
           </a:p>
           <a:p>
             <a:pPr lvl="2"/>
             <a:r>
-              <a:rPr lang="en-US" smtClean="0"/>
+              <a:rPr lang="en-US"/>
               <a:t>Third level</a:t>
             </a:r>
           </a:p>
           <a:p>
             <a:pPr lvl="3"/>
             <a:r>
-              <a:rPr lang="en-US" smtClean="0"/>
+              <a:rPr lang="en-US"/>
               <a:t>Fourth level</a:t>
             </a:r>
           </a:p>
           <a:p>
             <a:pPr lvl="4"/>
             <a:r>
-              <a:rPr lang="en-US" smtClean="0"/>
+              <a:rPr lang="en-US"/>
               <a:t>Fifth level</a:t>
             </a:r>
-            <a:endParaRPr lang="en-US"/>
           </a:p>
         </p:txBody>
       </p:sp>
@@ -1300,38 +1306,37 @@
           <a:p>
             <a:pPr lvl="0"/>
             <a:r>
-              <a:rPr lang="en-US" smtClean="0"/>
+              <a:rPr lang="en-US"/>
               <a:t>Click to edit Master text styles</a:t>
             </a:r>
           </a:p>
           <a:p>
             <a:pPr lvl="1"/>
             <a:r>
-              <a:rPr lang="en-US" smtClean="0"/>
+              <a:rPr lang="en-US"/>
               <a:t>Second level</a:t>
             </a:r>
           </a:p>
           <a:p>
             <a:pPr lvl="2"/>
             <a:r>
-              <a:rPr lang="en-US" smtClean="0"/>
+              <a:rPr lang="en-US"/>
               <a:t>Third level</a:t>
             </a:r>
           </a:p>
           <a:p>
             <a:pPr lvl="3"/>
             <a:r>
-              <a:rPr lang="en-US" smtClean="0"/>
+              <a:rPr lang="en-US"/>
               <a:t>Fourth level</a:t>
             </a:r>
           </a:p>
           <a:p>
             <a:pPr lvl="4"/>
             <a:r>
-              <a:rPr lang="en-US" smtClean="0"/>
+              <a:rPr lang="en-US"/>
               <a:t>Fifth level</a:t>
             </a:r>
-            <a:endParaRPr lang="en-US"/>
           </a:p>
         </p:txBody>
       </p:sp>
@@ -1352,7 +1357,7 @@
           <a:p>
             <a:fld id="{5BCAD085-E8A6-8845-BD4E-CB4CCA059FC4}" type="datetimeFigureOut">
               <a:rPr lang="en-US" smtClean="0"/>
-              <a:t>1/27/13</a:t>
+              <a:t>1/18/2026</a:t>
             </a:fld>
             <a:endParaRPr lang="en-US"/>
           </a:p>
@@ -1450,10 +1455,9 @@
           </a:lstStyle>
           <a:p>
             <a:r>
-              <a:rPr lang="en-US" smtClean="0"/>
+              <a:rPr lang="en-US"/>
               <a:t>Click to edit Master title style</a:t>
             </a:r>
-            <a:endParaRPr lang="en-US"/>
           </a:p>
         </p:txBody>
       </p:sp>
@@ -1516,7 +1520,7 @@
           <a:p>
             <a:pPr lvl="0"/>
             <a:r>
-              <a:rPr lang="en-US" smtClean="0"/>
+              <a:rPr lang="en-US"/>
               <a:t>Click to edit Master text styles</a:t>
             </a:r>
           </a:p>
@@ -1572,38 +1576,37 @@
           <a:p>
             <a:pPr lvl="0"/>
             <a:r>
-              <a:rPr lang="en-US" smtClean="0"/>
+              <a:rPr lang="en-US"/>
               <a:t>Click to edit Master text styles</a:t>
             </a:r>
           </a:p>
           <a:p>
             <a:pPr lvl="1"/>
             <a:r>
-              <a:rPr lang="en-US" smtClean="0"/>
+              <a:rPr lang="en-US"/>
               <a:t>Second level</a:t>
             </a:r>
           </a:p>
           <a:p>
             <a:pPr lvl="2"/>
             <a:r>
-              <a:rPr lang="en-US" smtClean="0"/>
+              <a:rPr lang="en-US"/>
               <a:t>Third level</a:t>
             </a:r>
           </a:p>
           <a:p>
             <a:pPr lvl="3"/>
             <a:r>
-              <a:rPr lang="en-US" smtClean="0"/>
+              <a:rPr lang="en-US"/>
               <a:t>Fourth level</a:t>
             </a:r>
           </a:p>
           <a:p>
             <a:pPr lvl="4"/>
             <a:r>
-              <a:rPr lang="en-US" smtClean="0"/>
+              <a:rPr lang="en-US"/>
               <a:t>Fifth level</a:t>
             </a:r>
-            <a:endParaRPr lang="en-US"/>
           </a:p>
         </p:txBody>
       </p:sp>
@@ -1666,7 +1669,7 @@
           <a:p>
             <a:pPr lvl="0"/>
             <a:r>
-              <a:rPr lang="en-US" smtClean="0"/>
+              <a:rPr lang="en-US"/>
               <a:t>Click to edit Master text styles</a:t>
             </a:r>
           </a:p>
@@ -1722,38 +1725,37 @@
           <a:p>
             <a:pPr lvl="0"/>
             <a:r>
-              <a:rPr lang="en-US" smtClean="0"/>
+              <a:rPr lang="en-US"/>
               <a:t>Click to edit Master text styles</a:t>
             </a:r>
           </a:p>
           <a:p>
             <a:pPr lvl="1"/>
             <a:r>
-              <a:rPr lang="en-US" smtClean="0"/>
+              <a:rPr lang="en-US"/>
               <a:t>Second level</a:t>
             </a:r>
           </a:p>
           <a:p>
             <a:pPr lvl="2"/>
             <a:r>
-              <a:rPr lang="en-US" smtClean="0"/>
+              <a:rPr lang="en-US"/>
               <a:t>Third level</a:t>
             </a:r>
           </a:p>
           <a:p>
             <a:pPr lvl="3"/>
             <a:r>
-              <a:rPr lang="en-US" smtClean="0"/>
+              <a:rPr lang="en-US"/>
               <a:t>Fourth level</a:t>
             </a:r>
           </a:p>
           <a:p>
             <a:pPr lvl="4"/>
             <a:r>
-              <a:rPr lang="en-US" smtClean="0"/>
+              <a:rPr lang="en-US"/>
               <a:t>Fifth level</a:t>
             </a:r>
-            <a:endParaRPr lang="en-US"/>
           </a:p>
         </p:txBody>
       </p:sp>
@@ -1774,7 +1776,7 @@
           <a:p>
             <a:fld id="{5BCAD085-E8A6-8845-BD4E-CB4CCA059FC4}" type="datetimeFigureOut">
               <a:rPr lang="en-US" smtClean="0"/>
-              <a:t>1/27/13</a:t>
+              <a:t>1/18/2026</a:t>
             </a:fld>
             <a:endParaRPr lang="en-US"/>
           </a:p>
@@ -1868,10 +1870,9 @@
           <a:lstStyle/>
           <a:p>
             <a:r>
-              <a:rPr lang="en-US" smtClean="0"/>
+              <a:rPr lang="en-US"/>
               <a:t>Click to edit Master title style</a:t>
             </a:r>
-            <a:endParaRPr lang="en-US"/>
           </a:p>
         </p:txBody>
       </p:sp>
@@ -1892,7 +1893,7 @@
           <a:p>
             <a:fld id="{5BCAD085-E8A6-8845-BD4E-CB4CCA059FC4}" type="datetimeFigureOut">
               <a:rPr lang="en-US" smtClean="0"/>
-              <a:t>1/27/13</a:t>
+              <a:t>1/18/2026</a:t>
             </a:fld>
             <a:endParaRPr lang="en-US"/>
           </a:p>
@@ -1987,7 +1988,7 @@
           <a:p>
             <a:fld id="{5BCAD085-E8A6-8845-BD4E-CB4CCA059FC4}" type="datetimeFigureOut">
               <a:rPr lang="en-US" smtClean="0"/>
-              <a:t>1/27/13</a:t>
+              <a:t>1/18/2026</a:t>
             </a:fld>
             <a:endParaRPr lang="en-US"/>
           </a:p>
@@ -2090,10 +2091,9 @@
           </a:lstStyle>
           <a:p>
             <a:r>
-              <a:rPr lang="en-US" smtClean="0"/>
+              <a:rPr lang="en-US"/>
               <a:t>Click to edit Master title style</a:t>
             </a:r>
-            <a:endParaRPr lang="en-US"/>
           </a:p>
         </p:txBody>
       </p:sp>
@@ -2147,38 +2147,37 @@
           <a:p>
             <a:pPr lvl="0"/>
             <a:r>
-              <a:rPr lang="en-US" smtClean="0"/>
+              <a:rPr lang="en-US"/>
               <a:t>Click to edit Master text styles</a:t>
             </a:r>
           </a:p>
           <a:p>
             <a:pPr lvl="1"/>
             <a:r>
-              <a:rPr lang="en-US" smtClean="0"/>
+              <a:rPr lang="en-US"/>
               <a:t>Second level</a:t>
             </a:r>
           </a:p>
           <a:p>
             <a:pPr lvl="2"/>
             <a:r>
-              <a:rPr lang="en-US" smtClean="0"/>
+              <a:rPr lang="en-US"/>
               <a:t>Third level</a:t>
             </a:r>
           </a:p>
           <a:p>
             <a:pPr lvl="3"/>
             <a:r>
-              <a:rPr lang="en-US" smtClean="0"/>
+              <a:rPr lang="en-US"/>
               <a:t>Fourth level</a:t>
             </a:r>
           </a:p>
           <a:p>
             <a:pPr lvl="4"/>
             <a:r>
-              <a:rPr lang="en-US" smtClean="0"/>
+              <a:rPr lang="en-US"/>
               <a:t>Fifth level</a:t>
             </a:r>
-            <a:endParaRPr lang="en-US"/>
           </a:p>
         </p:txBody>
       </p:sp>
@@ -2241,7 +2240,7 @@
           <a:p>
             <a:pPr lvl="0"/>
             <a:r>
-              <a:rPr lang="en-US" smtClean="0"/>
+              <a:rPr lang="en-US"/>
               <a:t>Click to edit Master text styles</a:t>
             </a:r>
           </a:p>
@@ -2264,7 +2263,7 @@
           <a:p>
             <a:fld id="{5BCAD085-E8A6-8845-BD4E-CB4CCA059FC4}" type="datetimeFigureOut">
               <a:rPr lang="en-US" smtClean="0"/>
-              <a:t>1/27/13</a:t>
+              <a:t>1/18/2026</a:t>
             </a:fld>
             <a:endParaRPr lang="en-US"/>
           </a:p>
@@ -2367,10 +2366,9 @@
           </a:lstStyle>
           <a:p>
             <a:r>
-              <a:rPr lang="en-US" smtClean="0"/>
+              <a:rPr lang="en-US"/>
               <a:t>Click to edit Master title style</a:t>
             </a:r>
-            <a:endParaRPr lang="en-US"/>
           </a:p>
         </p:txBody>
       </p:sp>
@@ -2494,7 +2492,7 @@
           <a:p>
             <a:pPr lvl="0"/>
             <a:r>
-              <a:rPr lang="en-US" smtClean="0"/>
+              <a:rPr lang="en-US"/>
               <a:t>Click to edit Master text styles</a:t>
             </a:r>
           </a:p>
@@ -2517,7 +2515,7 @@
           <a:p>
             <a:fld id="{5BCAD085-E8A6-8845-BD4E-CB4CCA059FC4}" type="datetimeFigureOut">
               <a:rPr lang="en-US" smtClean="0"/>
-              <a:t>1/27/13</a:t>
+              <a:t>1/18/2026</a:t>
             </a:fld>
             <a:endParaRPr lang="en-US"/>
           </a:p>
@@ -2626,10 +2624,9 @@
           <a:lstStyle/>
           <a:p>
             <a:r>
-              <a:rPr lang="en-US" smtClean="0"/>
+              <a:rPr lang="en-US"/>
               <a:t>Click to edit Master title style</a:t>
             </a:r>
-            <a:endParaRPr lang="en-US"/>
           </a:p>
         </p:txBody>
       </p:sp>
@@ -2660,38 +2657,37 @@
           <a:p>
             <a:pPr lvl="0"/>
             <a:r>
-              <a:rPr lang="en-US" smtClean="0"/>
+              <a:rPr lang="en-US"/>
               <a:t>Click to edit Master text styles</a:t>
             </a:r>
           </a:p>
           <a:p>
             <a:pPr lvl="1"/>
             <a:r>
-              <a:rPr lang="en-US" smtClean="0"/>
+              <a:rPr lang="en-US"/>
               <a:t>Second level</a:t>
             </a:r>
           </a:p>
           <a:p>
             <a:pPr lvl="2"/>
             <a:r>
-              <a:rPr lang="en-US" smtClean="0"/>
+              <a:rPr lang="en-US"/>
               <a:t>Third level</a:t>
             </a:r>
           </a:p>
           <a:p>
             <a:pPr lvl="3"/>
             <a:r>
-              <a:rPr lang="en-US" smtClean="0"/>
+              <a:rPr lang="en-US"/>
               <a:t>Fourth level</a:t>
             </a:r>
           </a:p>
           <a:p>
             <a:pPr lvl="4"/>
             <a:r>
-              <a:rPr lang="en-US" smtClean="0"/>
+              <a:rPr lang="en-US"/>
               <a:t>Fifth level</a:t>
             </a:r>
-            <a:endParaRPr lang="en-US"/>
           </a:p>
         </p:txBody>
       </p:sp>
@@ -2730,7 +2726,7 @@
           <a:p>
             <a:fld id="{5BCAD085-E8A6-8845-BD4E-CB4CCA059FC4}" type="datetimeFigureOut">
               <a:rPr lang="en-US" smtClean="0"/>
-              <a:t>1/27/13</a:t>
+              <a:t>1/18/2026</a:t>
             </a:fld>
             <a:endParaRPr lang="en-US"/>
           </a:p>
@@ -3089,7 +3085,7 @@
 </file>
 
 <file path=ppt/slides/slide1.xml><?xml version="1.0" encoding="utf-8"?>
-<p:sld xmlns:a="http://schemas.openxmlformats.org/drawingml/2006/main" xmlns:p="http://schemas.openxmlformats.org/presentationml/2006/main" xmlns:r="http://schemas.openxmlformats.org/officeDocument/2006/relationships">
+<p:sld xmlns:a="http://schemas.openxmlformats.org/drawingml/2006/main" xmlns:r="http://schemas.openxmlformats.org/officeDocument/2006/relationships" xmlns:p="http://schemas.openxmlformats.org/presentationml/2006/main">
   <p:cSld>
     <p:spTree>
       <p:nvGrpSpPr>
@@ -3097,10 +3093,23 @@
         <p:cNvGrpSpPr/>
         <p:nvPr/>
       </p:nvGrpSpPr>
-      <p:grpSpPr/>
-      <p:sp>
-        <p:nvSpPr>
-          <p:cNvPr id="2" name="Title 1"/>
+      <p:grpSpPr>
+        <a:xfrm>
+          <a:off x="0" y="0"/>
+          <a:ext cx="0" cy="0"/>
+          <a:chOff x="0" y="0"/>
+          <a:chExt cx="0" cy="0"/>
+        </a:xfrm>
+      </p:grpSpPr>
+      <p:sp>
+        <p:nvSpPr>
+          <p:cNvPr id="2" name="Title 1">
+            <a:extLst>
+              <a:ext uri="{FF2B5EF4-FFF2-40B4-BE49-F238E27FC236}">
+                <a16:creationId xmlns:a16="http://schemas.microsoft.com/office/drawing/2014/main" id="{0CCBDCCB-91B7-0EE4-1D86-CBC290DF9ABE}"/>
+              </a:ext>
+            </a:extLst>
+          </p:cNvPr>
           <p:cNvSpPr>
             <a:spLocks noGrp="1"/>
           </p:cNvSpPr>
@@ -3108,59 +3117,110 @@
             <p:ph type="title"/>
           </p:nvPr>
         </p:nvSpPr>
-        <p:spPr/>
-        <p:txBody>
-          <a:bodyPr/>
-          <a:lstStyle/>
-          <a:p>
-            <a:r>
-              <a:t>Problem Statement</a:t>
-            </a:r>
-          </a:p>
-        </p:txBody>
-      </p:sp>
-      <p:sp>
-        <p:nvSpPr>
-          <p:cNvPr id="3" name="Content Placeholder 2"/>
-          <p:cNvSpPr>
-            <a:spLocks noGrp="1"/>
-          </p:cNvSpPr>
-          <p:nvPr>
-            <p:ph idx="1"/>
-          </p:nvPr>
-        </p:nvSpPr>
-        <p:spPr/>
-        <p:txBody>
-          <a:bodyPr/>
-          <a:lstStyle/>
-          <a:p>
-            <a:r>
-              <a:t>• Build upon cleaned data from Assignment 01</a:t>
-            </a:r>
-          </a:p>
-          <a:p>
-            <a:r>
-              <a:t>• Perform Exploratory Data Analysis (EDA) to understand data patterns</a:t>
-            </a:r>
-          </a:p>
-          <a:p>
-            <a:r>
-              <a:t>• Identify key features that distinguish fraudulent from legitimate addresses</a:t>
-            </a:r>
-          </a:p>
-          <a:p>
-            <a:r>
-              <a:t>• Establish methodological foundation for fraud detection modeling</a:t>
-            </a:r>
-          </a:p>
-          <a:p>
-            <a:r>
-              <a:t>• Uncover insights about Ethereum transaction behaviors</a:t>
+        <p:spPr>
+          <a:xfrm>
+            <a:off x="457200" y="274638"/>
+            <a:ext cx="8229600" cy="3154362"/>
+          </a:xfrm>
+        </p:spPr>
+        <p:txBody>
+          <a:bodyPr>
+            <a:noAutofit/>
+          </a:bodyPr>
+          <a:lstStyle/>
+          <a:p>
+            <a:r>
+              <a:rPr lang="en-US" b="1" dirty="0">
+                <a:latin typeface="Times New Roman" panose="02020603050405020304" pitchFamily="18" charset="0"/>
+                <a:cs typeface="Times New Roman" panose="02020603050405020304" pitchFamily="18" charset="0"/>
+              </a:rPr>
+              <a:t>Exploratory Data Analysis (EDA), Data Insights, and Methodological Foundation </a:t>
+            </a:r>
+          </a:p>
+        </p:txBody>
+      </p:sp>
+      <p:sp>
+        <p:nvSpPr>
+          <p:cNvPr id="4" name="TextBox 3">
+            <a:extLst>
+              <a:ext uri="{FF2B5EF4-FFF2-40B4-BE49-F238E27FC236}">
+                <a16:creationId xmlns:a16="http://schemas.microsoft.com/office/drawing/2014/main" id="{75C2DA87-234F-5CE0-5984-2C0972615DFC}"/>
+              </a:ext>
+            </a:extLst>
+          </p:cNvPr>
+          <p:cNvSpPr txBox="1"/>
+          <p:nvPr/>
+        </p:nvSpPr>
+        <p:spPr>
+          <a:xfrm>
+            <a:off x="847494" y="4627756"/>
+            <a:ext cx="2329896" cy="461665"/>
+          </a:xfrm>
+          <a:prstGeom prst="rect">
+            <a:avLst/>
+          </a:prstGeom>
+          <a:noFill/>
+        </p:spPr>
+        <p:txBody>
+          <a:bodyPr wrap="square" rtlCol="0">
+            <a:spAutoFit/>
+          </a:bodyPr>
+          <a:lstStyle/>
+          <a:p>
+            <a:r>
+              <a:rPr lang="en-US" sz="2400" b="1" dirty="0">
+                <a:latin typeface="Times New Roman" panose="02020603050405020304" pitchFamily="18" charset="0"/>
+                <a:cs typeface="Times New Roman" panose="02020603050405020304" pitchFamily="18" charset="0"/>
+              </a:rPr>
+              <a:t>Assignment 02</a:t>
+            </a:r>
+          </a:p>
+        </p:txBody>
+      </p:sp>
+      <p:sp>
+        <p:nvSpPr>
+          <p:cNvPr id="5" name="TextBox 4">
+            <a:extLst>
+              <a:ext uri="{FF2B5EF4-FFF2-40B4-BE49-F238E27FC236}">
+                <a16:creationId xmlns:a16="http://schemas.microsoft.com/office/drawing/2014/main" id="{A6890215-C957-D2BD-B88D-EC1ED38D7DC3}"/>
+              </a:ext>
+            </a:extLst>
+          </p:cNvPr>
+          <p:cNvSpPr txBox="1"/>
+          <p:nvPr/>
+        </p:nvSpPr>
+        <p:spPr>
+          <a:xfrm>
+            <a:off x="5185317" y="4616605"/>
+            <a:ext cx="3775839" cy="461665"/>
+          </a:xfrm>
+          <a:prstGeom prst="rect">
+            <a:avLst/>
+          </a:prstGeom>
+          <a:noFill/>
+        </p:spPr>
+        <p:txBody>
+          <a:bodyPr wrap="square" rtlCol="0">
+            <a:spAutoFit/>
+          </a:bodyPr>
+          <a:lstStyle/>
+          <a:p>
+            <a:r>
+              <a:rPr lang="en-US" sz="2400" b="1" dirty="0">
+                <a:latin typeface="Times New Roman" panose="02020603050405020304" pitchFamily="18" charset="0"/>
+                <a:cs typeface="Times New Roman" panose="02020603050405020304" pitchFamily="18" charset="0"/>
+              </a:rPr>
+              <a:t>Ahmad Faraz (215154)</a:t>
             </a:r>
           </a:p>
         </p:txBody>
       </p:sp>
     </p:spTree>
+    <p:extLst>
+      <p:ext uri="{BB962C8B-B14F-4D97-AF65-F5344CB8AC3E}">
+        <p14:creationId xmlns:p14="http://schemas.microsoft.com/office/powerpoint/2010/main" val="3038141726"/>
+      </p:ext>
+    </p:extLst>
   </p:cSld>
   <p:clrMapOvr>
     <a:masterClrMapping/>
@@ -3169,7 +3229,7 @@
 </file>
 
 <file path=ppt/slides/slide10.xml><?xml version="1.0" encoding="utf-8"?>
-<p:sld xmlns:a="http://schemas.openxmlformats.org/drawingml/2006/main" xmlns:p="http://schemas.openxmlformats.org/presentationml/2006/main" xmlns:r="http://schemas.openxmlformats.org/officeDocument/2006/relationships">
+<p:sld xmlns:a="http://schemas.openxmlformats.org/drawingml/2006/main" xmlns:r="http://schemas.openxmlformats.org/officeDocument/2006/relationships" xmlns:p="http://schemas.openxmlformats.org/presentationml/2006/main">
   <p:cSld>
     <p:spTree>
       <p:nvGrpSpPr>
@@ -3177,7 +3237,14 @@
         <p:cNvGrpSpPr/>
         <p:nvPr/>
       </p:nvGrpSpPr>
-      <p:grpSpPr/>
+      <p:grpSpPr>
+        <a:xfrm>
+          <a:off x="0" y="0"/>
+          <a:ext cx="0" cy="0"/>
+          <a:chOff x="0" y="0"/>
+          <a:chExt cx="0" cy="0"/>
+        </a:xfrm>
+      </p:grpSpPr>
       <p:sp>
         <p:nvSpPr>
           <p:cNvPr id="2" name="Title 1"/>
@@ -3190,11 +3257,18 @@
         </p:nvSpPr>
         <p:spPr/>
         <p:txBody>
-          <a:bodyPr/>
-          <a:lstStyle/>
-          <a:p>
-            <a:r>
-              <a:t>Feedback and its Analysis</a:t>
+          <a:bodyPr>
+            <a:normAutofit/>
+          </a:bodyPr>
+          <a:lstStyle/>
+          <a:p>
+            <a:pPr algn="l"/>
+            <a:r>
+              <a:rPr sz="3200" b="1" dirty="0">
+                <a:latin typeface="Times New Roman" panose="02020603050405020304" pitchFamily="18" charset="0"/>
+                <a:cs typeface="Times New Roman" panose="02020603050405020304" pitchFamily="18" charset="0"/>
+              </a:rPr>
+              <a:t>Deployment Strategy</a:t>
             </a:r>
           </a:p>
         </p:txBody>
@@ -3211,21 +3285,38 @@
         </p:nvSpPr>
         <p:spPr/>
         <p:txBody>
-          <a:bodyPr/>
-          <a:lstStyle/>
-          <a:p>
-            <a:r>
-              <a:t>• No user feedback collected during EDA phase</a:t>
-            </a:r>
-          </a:p>
-          <a:p>
-            <a:r>
-              <a:t>• Analysis is internal to data understanding</a:t>
-            </a:r>
-          </a:p>
-          <a:p>
-            <a:r>
-              <a:t>• Feedback will be gathered during model deployment</a:t>
+          <a:bodyPr>
+            <a:normAutofit/>
+          </a:bodyPr>
+          <a:lstStyle/>
+          <a:p>
+            <a:pPr algn="just"/>
+            <a:r>
+              <a:rPr sz="3000" dirty="0">
+                <a:latin typeface="Times New Roman" panose="02020603050405020304" pitchFamily="18" charset="0"/>
+                <a:cs typeface="Times New Roman" panose="02020603050405020304" pitchFamily="18" charset="0"/>
+              </a:rPr>
+              <a:t>No deployment in this exploratory phase</a:t>
+            </a:r>
+          </a:p>
+          <a:p>
+            <a:pPr algn="just"/>
+            <a:r>
+              <a:rPr sz="3000" dirty="0">
+                <a:latin typeface="Times New Roman" panose="02020603050405020304" pitchFamily="18" charset="0"/>
+                <a:cs typeface="Times New Roman" panose="02020603050405020304" pitchFamily="18" charset="0"/>
+              </a:rPr>
+              <a:t>Findings will guide model development in Assignment 03</a:t>
+            </a:r>
+          </a:p>
+          <a:p>
+            <a:pPr algn="just"/>
+            <a:r>
+              <a:rPr sz="3000" dirty="0">
+                <a:latin typeface="Times New Roman" panose="02020603050405020304" pitchFamily="18" charset="0"/>
+                <a:cs typeface="Times New Roman" panose="02020603050405020304" pitchFamily="18" charset="0"/>
+              </a:rPr>
+              <a:t>Insights inform feature selection and preprocessing strategies</a:t>
             </a:r>
           </a:p>
         </p:txBody>
@@ -3239,7 +3330,7 @@
 </file>
 
 <file path=ppt/slides/slide11.xml><?xml version="1.0" encoding="utf-8"?>
-<p:sld xmlns:a="http://schemas.openxmlformats.org/drawingml/2006/main" xmlns:p="http://schemas.openxmlformats.org/presentationml/2006/main" xmlns:r="http://schemas.openxmlformats.org/officeDocument/2006/relationships">
+<p:sld xmlns:a="http://schemas.openxmlformats.org/drawingml/2006/main" xmlns:r="http://schemas.openxmlformats.org/officeDocument/2006/relationships" xmlns:p="http://schemas.openxmlformats.org/presentationml/2006/main">
   <p:cSld>
     <p:spTree>
       <p:nvGrpSpPr>
@@ -3247,7 +3338,14 @@
         <p:cNvGrpSpPr/>
         <p:nvPr/>
       </p:nvGrpSpPr>
-      <p:grpSpPr/>
+      <p:grpSpPr>
+        <a:xfrm>
+          <a:off x="0" y="0"/>
+          <a:ext cx="0" cy="0"/>
+          <a:chOff x="0" y="0"/>
+          <a:chExt cx="0" cy="0"/>
+        </a:xfrm>
+      </p:grpSpPr>
       <p:sp>
         <p:nvSpPr>
           <p:cNvPr id="2" name="Title 1"/>
@@ -3260,10 +3358,118 @@
         </p:nvSpPr>
         <p:spPr/>
         <p:txBody>
-          <a:bodyPr/>
-          <a:lstStyle/>
-          <a:p>
-            <a:r>
+          <a:bodyPr>
+            <a:normAutofit/>
+          </a:bodyPr>
+          <a:lstStyle/>
+          <a:p>
+            <a:pPr algn="l"/>
+            <a:r>
+              <a:rPr sz="3200" b="1" dirty="0">
+                <a:latin typeface="Times New Roman" panose="02020603050405020304" pitchFamily="18" charset="0"/>
+                <a:cs typeface="Times New Roman" panose="02020603050405020304" pitchFamily="18" charset="0"/>
+              </a:rPr>
+              <a:t>Feedback and its Analysis</a:t>
+            </a:r>
+          </a:p>
+        </p:txBody>
+      </p:sp>
+      <p:sp>
+        <p:nvSpPr>
+          <p:cNvPr id="3" name="Content Placeholder 2"/>
+          <p:cNvSpPr>
+            <a:spLocks noGrp="1"/>
+          </p:cNvSpPr>
+          <p:nvPr>
+            <p:ph idx="1"/>
+          </p:nvPr>
+        </p:nvSpPr>
+        <p:spPr/>
+        <p:txBody>
+          <a:bodyPr>
+            <a:normAutofit/>
+          </a:bodyPr>
+          <a:lstStyle/>
+          <a:p>
+            <a:pPr algn="just"/>
+            <a:r>
+              <a:rPr sz="3000" dirty="0">
+                <a:latin typeface="Times New Roman" panose="02020603050405020304" pitchFamily="18" charset="0"/>
+                <a:cs typeface="Times New Roman" panose="02020603050405020304" pitchFamily="18" charset="0"/>
+              </a:rPr>
+              <a:t>No user feedback collected during EDA phase</a:t>
+            </a:r>
+          </a:p>
+          <a:p>
+            <a:pPr algn="just"/>
+            <a:r>
+              <a:rPr sz="3000" dirty="0">
+                <a:latin typeface="Times New Roman" panose="02020603050405020304" pitchFamily="18" charset="0"/>
+                <a:cs typeface="Times New Roman" panose="02020603050405020304" pitchFamily="18" charset="0"/>
+              </a:rPr>
+              <a:t>Analysis is internal to data understanding</a:t>
+            </a:r>
+          </a:p>
+          <a:p>
+            <a:pPr algn="just"/>
+            <a:r>
+              <a:rPr sz="3000" dirty="0">
+                <a:latin typeface="Times New Roman" panose="02020603050405020304" pitchFamily="18" charset="0"/>
+                <a:cs typeface="Times New Roman" panose="02020603050405020304" pitchFamily="18" charset="0"/>
+              </a:rPr>
+              <a:t>Feedback will be gathered during model deployment</a:t>
+            </a:r>
+          </a:p>
+        </p:txBody>
+      </p:sp>
+    </p:spTree>
+  </p:cSld>
+  <p:clrMapOvr>
+    <a:masterClrMapping/>
+  </p:clrMapOvr>
+</p:sld>
+</file>
+
+<file path=ppt/slides/slide12.xml><?xml version="1.0" encoding="utf-8"?>
+<p:sld xmlns:a="http://schemas.openxmlformats.org/drawingml/2006/main" xmlns:r="http://schemas.openxmlformats.org/officeDocument/2006/relationships" xmlns:p="http://schemas.openxmlformats.org/presentationml/2006/main">
+  <p:cSld>
+    <p:spTree>
+      <p:nvGrpSpPr>
+        <p:cNvPr id="1" name=""/>
+        <p:cNvGrpSpPr/>
+        <p:nvPr/>
+      </p:nvGrpSpPr>
+      <p:grpSpPr>
+        <a:xfrm>
+          <a:off x="0" y="0"/>
+          <a:ext cx="0" cy="0"/>
+          <a:chOff x="0" y="0"/>
+          <a:chExt cx="0" cy="0"/>
+        </a:xfrm>
+      </p:grpSpPr>
+      <p:sp>
+        <p:nvSpPr>
+          <p:cNvPr id="2" name="Title 1"/>
+          <p:cNvSpPr>
+            <a:spLocks noGrp="1"/>
+          </p:cNvSpPr>
+          <p:nvPr>
+            <p:ph type="title"/>
+          </p:nvPr>
+        </p:nvSpPr>
+        <p:spPr/>
+        <p:txBody>
+          <a:bodyPr>
+            <a:normAutofit/>
+          </a:bodyPr>
+          <a:lstStyle/>
+          <a:p>
+            <a:pPr algn="l"/>
+            <a:r>
+              <a:rPr sz="3200" b="1" dirty="0">
+                <a:latin typeface="Times New Roman" panose="02020603050405020304" pitchFamily="18" charset="0"/>
+                <a:cs typeface="Times New Roman" panose="02020603050405020304" pitchFamily="18" charset="0"/>
+              </a:rPr>
               <a:t>Future Goals</a:t>
             </a:r>
           </a:p>
@@ -3281,36 +3487,68 @@
         </p:nvSpPr>
         <p:spPr/>
         <p:txBody>
-          <a:bodyPr/>
-          <a:lstStyle/>
-          <a:p>
-            <a:r>
-              <a:t>• Implement machine learning models in Assignment 03</a:t>
-            </a:r>
-          </a:p>
-          <a:p>
-            <a:r>
-              <a:t>• Address class imbalance with appropriate techniques</a:t>
-            </a:r>
-          </a:p>
-          <a:p>
-            <a:r>
-              <a:t>• Develop Logistic Regression and Random Forest models</a:t>
-            </a:r>
-          </a:p>
-          <a:p>
-            <a:r>
-              <a:t>• Evaluate models using proper metrics (precision, recall, F1, ROC-AUC)</a:t>
-            </a:r>
-          </a:p>
-          <a:p>
-            <a:r>
-              <a:t>• Deploy trained models for real-world fraud detection</a:t>
-            </a:r>
-          </a:p>
-          <a:p>
-            <a:r>
-              <a:t>• Collect user feedback and iterate on improvements</a:t>
+          <a:bodyPr>
+            <a:normAutofit fontScale="85000" lnSpcReduction="10000"/>
+          </a:bodyPr>
+          <a:lstStyle/>
+          <a:p>
+            <a:pPr algn="just"/>
+            <a:r>
+              <a:rPr dirty="0">
+                <a:latin typeface="Times New Roman" panose="02020603050405020304" pitchFamily="18" charset="0"/>
+                <a:cs typeface="Times New Roman" panose="02020603050405020304" pitchFamily="18" charset="0"/>
+              </a:rPr>
+              <a:t>Implement machine learning models in Assignment 03</a:t>
+            </a:r>
+          </a:p>
+          <a:p>
+            <a:pPr algn="just"/>
+            <a:r>
+              <a:rPr dirty="0">
+                <a:latin typeface="Times New Roman" panose="02020603050405020304" pitchFamily="18" charset="0"/>
+                <a:cs typeface="Times New Roman" panose="02020603050405020304" pitchFamily="18" charset="0"/>
+              </a:rPr>
+              <a:t>Address class imbalance with appropriate techniques</a:t>
+            </a:r>
+          </a:p>
+          <a:p>
+            <a:pPr algn="just"/>
+            <a:r>
+              <a:rPr dirty="0">
+                <a:latin typeface="Times New Roman" panose="02020603050405020304" pitchFamily="18" charset="0"/>
+                <a:cs typeface="Times New Roman" panose="02020603050405020304" pitchFamily="18" charset="0"/>
+              </a:rPr>
+              <a:t>Develop Logistic Regression and Random Forest models</a:t>
+            </a:r>
+          </a:p>
+          <a:p>
+            <a:pPr algn="just"/>
+            <a:r>
+              <a:rPr dirty="0">
+                <a:latin typeface="Times New Roman" panose="02020603050405020304" pitchFamily="18" charset="0"/>
+                <a:cs typeface="Times New Roman" panose="02020603050405020304" pitchFamily="18" charset="0"/>
+              </a:rPr>
+              <a:t>Evaluate models using proper metrics (precision, recall, F1, ROC-AUC)</a:t>
+            </a:r>
+          </a:p>
+          <a:p>
+            <a:pPr algn="just"/>
+            <a:r>
+              <a:rPr dirty="0">
+                <a:latin typeface="Times New Roman" panose="02020603050405020304" pitchFamily="18" charset="0"/>
+                <a:cs typeface="Times New Roman" panose="02020603050405020304" pitchFamily="18" charset="0"/>
+              </a:rPr>
+              <a:t>Deploy trained models for real-world fraud detection</a:t>
+            </a:r>
+          </a:p>
+          <a:p>
+            <a:pPr algn="just"/>
+            <a:r>
+              <a:rPr dirty="0">
+                <a:latin typeface="Times New Roman" panose="02020603050405020304" pitchFamily="18" charset="0"/>
+                <a:cs typeface="Times New Roman" panose="02020603050405020304" pitchFamily="18" charset="0"/>
+              </a:rPr>
+              <a:t>Collect user feedback and iterate on improvements</a:t>
             </a:r>
           </a:p>
         </p:txBody>
@@ -3324,7 +3562,7 @@
 </file>
 
 <file path=ppt/slides/slide2.xml><?xml version="1.0" encoding="utf-8"?>
-<p:sld xmlns:a="http://schemas.openxmlformats.org/drawingml/2006/main" xmlns:p="http://schemas.openxmlformats.org/presentationml/2006/main" xmlns:r="http://schemas.openxmlformats.org/officeDocument/2006/relationships">
+<p:sld xmlns:a="http://schemas.openxmlformats.org/drawingml/2006/main" xmlns:r="http://schemas.openxmlformats.org/officeDocument/2006/relationships" xmlns:p="http://schemas.openxmlformats.org/presentationml/2006/main">
   <p:cSld>
     <p:spTree>
       <p:nvGrpSpPr>
@@ -3332,7 +3570,14 @@
         <p:cNvGrpSpPr/>
         <p:nvPr/>
       </p:nvGrpSpPr>
-      <p:grpSpPr/>
+      <p:grpSpPr>
+        <a:xfrm>
+          <a:off x="0" y="0"/>
+          <a:ext cx="0" cy="0"/>
+          <a:chOff x="0" y="0"/>
+          <a:chExt cx="0" cy="0"/>
+        </a:xfrm>
+      </p:grpSpPr>
       <p:sp>
         <p:nvSpPr>
           <p:cNvPr id="2" name="Title 1"/>
@@ -3345,11 +3590,18 @@
         </p:nvSpPr>
         <p:spPr/>
         <p:txBody>
-          <a:bodyPr/>
-          <a:lstStyle/>
-          <a:p>
-            <a:r>
-              <a:t>Datasets (Sources, Descriptions etc.)</a:t>
+          <a:bodyPr>
+            <a:normAutofit/>
+          </a:bodyPr>
+          <a:lstStyle/>
+          <a:p>
+            <a:pPr algn="l"/>
+            <a:r>
+              <a:rPr sz="3200" b="1" dirty="0">
+                <a:latin typeface="Times New Roman" panose="02020603050405020304" pitchFamily="18" charset="0"/>
+                <a:cs typeface="Times New Roman" panose="02020603050405020304" pitchFamily="18" charset="0"/>
+              </a:rPr>
+              <a:t>Problem Statement</a:t>
             </a:r>
           </a:p>
         </p:txBody>
@@ -3366,36 +3618,65 @@
         </p:nvSpPr>
         <p:spPr/>
         <p:txBody>
-          <a:bodyPr/>
-          <a:lstStyle/>
-          <a:p>
-            <a:r>
-              <a:t>• Dataset: Cleaned_Ethereum_Fraud_Detection.csv (from Assignment 01)</a:t>
-            </a:r>
-          </a:p>
-          <a:p>
-            <a:r>
-              <a:t>• Description: Preprocessed Ethereum transaction data</a:t>
-            </a:r>
-          </a:p>
-          <a:p>
-            <a:r>
-              <a:t>• Features: 49 columns including transaction counts, ETH values, ERC20 metrics</a:t>
-            </a:r>
-          </a:p>
-          <a:p>
-            <a:r>
-              <a:t>• Target: FLAG column (binary: 0=legitimate, 1=fraudulent)</a:t>
-            </a:r>
-          </a:p>
-          <a:p>
-            <a:r>
-              <a:t>• Size: 9841 records</a:t>
-            </a:r>
-          </a:p>
-          <a:p>
-            <a:r>
-              <a:t>• Data types: Mix of numeric (int64, float64) and categorical features</a:t>
+          <a:bodyPr>
+            <a:noAutofit/>
+          </a:bodyPr>
+          <a:lstStyle/>
+          <a:p>
+            <a:pPr algn="just"/>
+            <a:r>
+              <a:rPr sz="3000" dirty="0">
+                <a:latin typeface="Times New Roman" panose="02020603050405020304" pitchFamily="18" charset="0"/>
+                <a:cs typeface="Times New Roman" panose="02020603050405020304" pitchFamily="18" charset="0"/>
+              </a:rPr>
+              <a:t>Build upon cleaned data from Assignment 01</a:t>
+            </a:r>
+          </a:p>
+          <a:p>
+            <a:pPr algn="just"/>
+            <a:r>
+              <a:rPr lang="en-US" sz="3000" dirty="0">
+                <a:latin typeface="Times New Roman" panose="02020603050405020304" pitchFamily="18" charset="0"/>
+                <a:cs typeface="Times New Roman" panose="02020603050405020304" pitchFamily="18" charset="0"/>
+              </a:rPr>
+              <a:t>P</a:t>
+            </a:r>
+            <a:r>
+              <a:rPr sz="3000" dirty="0">
+                <a:latin typeface="Times New Roman" panose="02020603050405020304" pitchFamily="18" charset="0"/>
+                <a:cs typeface="Times New Roman" panose="02020603050405020304" pitchFamily="18" charset="0"/>
+              </a:rPr>
+              <a:t>erform Exploratory Data Analysis (EDA) to understand data patterns</a:t>
+            </a:r>
+          </a:p>
+          <a:p>
+            <a:pPr algn="just"/>
+            <a:r>
+              <a:rPr sz="3000" dirty="0">
+                <a:latin typeface="Times New Roman" panose="02020603050405020304" pitchFamily="18" charset="0"/>
+                <a:cs typeface="Times New Roman" panose="02020603050405020304" pitchFamily="18" charset="0"/>
+              </a:rPr>
+              <a:t>Identify key features that distinguish fraudulent from legitimate addresses</a:t>
+            </a:r>
+          </a:p>
+          <a:p>
+            <a:pPr algn="just"/>
+            <a:r>
+              <a:rPr sz="3000" dirty="0">
+                <a:latin typeface="Times New Roman" panose="02020603050405020304" pitchFamily="18" charset="0"/>
+                <a:cs typeface="Times New Roman" panose="02020603050405020304" pitchFamily="18" charset="0"/>
+              </a:rPr>
+              <a:t>Establish methodological foundation for fraud detection modeling</a:t>
+            </a:r>
+          </a:p>
+          <a:p>
+            <a:pPr algn="just"/>
+            <a:r>
+              <a:rPr sz="3000" dirty="0">
+                <a:latin typeface="Times New Roman" panose="02020603050405020304" pitchFamily="18" charset="0"/>
+                <a:cs typeface="Times New Roman" panose="02020603050405020304" pitchFamily="18" charset="0"/>
+              </a:rPr>
+              <a:t>Uncover insights about Ethereum transaction behaviors</a:t>
             </a:r>
           </a:p>
         </p:txBody>
@@ -3409,7 +3690,7 @@
 </file>
 
 <file path=ppt/slides/slide3.xml><?xml version="1.0" encoding="utf-8"?>
-<p:sld xmlns:a="http://schemas.openxmlformats.org/drawingml/2006/main" xmlns:p="http://schemas.openxmlformats.org/presentationml/2006/main" xmlns:r="http://schemas.openxmlformats.org/officeDocument/2006/relationships">
+<p:sld xmlns:a="http://schemas.openxmlformats.org/drawingml/2006/main" xmlns:r="http://schemas.openxmlformats.org/officeDocument/2006/relationships" xmlns:p="http://schemas.openxmlformats.org/presentationml/2006/main">
   <p:cSld>
     <p:spTree>
       <p:nvGrpSpPr>
@@ -3417,7 +3698,14 @@
         <p:cNvGrpSpPr/>
         <p:nvPr/>
       </p:nvGrpSpPr>
-      <p:grpSpPr/>
+      <p:grpSpPr>
+        <a:xfrm>
+          <a:off x="0" y="0"/>
+          <a:ext cx="0" cy="0"/>
+          <a:chOff x="0" y="0"/>
+          <a:chExt cx="0" cy="0"/>
+        </a:xfrm>
+      </p:grpSpPr>
       <p:sp>
         <p:nvSpPr>
           <p:cNvPr id="2" name="Title 1"/>
@@ -3428,13 +3716,25 @@
             <p:ph type="title"/>
           </p:nvPr>
         </p:nvSpPr>
-        <p:spPr/>
-        <p:txBody>
-          <a:bodyPr/>
-          <a:lstStyle/>
-          <a:p>
-            <a:r>
-              <a:t>Analytical Approach</a:t>
+        <p:spPr>
+          <a:xfrm>
+            <a:off x="457200" y="-134440"/>
+            <a:ext cx="8229600" cy="1143000"/>
+          </a:xfrm>
+        </p:spPr>
+        <p:txBody>
+          <a:bodyPr>
+            <a:normAutofit/>
+          </a:bodyPr>
+          <a:lstStyle/>
+          <a:p>
+            <a:pPr algn="l"/>
+            <a:r>
+              <a:rPr sz="3200" b="1" dirty="0">
+                <a:latin typeface="Times New Roman" panose="02020603050405020304" pitchFamily="18" charset="0"/>
+                <a:cs typeface="Times New Roman" panose="02020603050405020304" pitchFamily="18" charset="0"/>
+              </a:rPr>
+              <a:t>Datasets (Sources, Descriptions etc.)</a:t>
             </a:r>
           </a:p>
         </p:txBody>
@@ -3449,43 +3749,117 @@
             <p:ph idx="1"/>
           </p:nvPr>
         </p:nvSpPr>
-        <p:spPr/>
-        <p:txBody>
-          <a:bodyPr/>
-          <a:lstStyle/>
-          <a:p>
-            <a:r>
-              <a:t>• Dataset Overview: Examine structure, shape, and basic statistics</a:t>
-            </a:r>
-          </a:p>
-          <a:p>
-            <a:r>
-              <a:t>• Descriptive Statistics: Analyze central tendencies and distributions</a:t>
-            </a:r>
-          </a:p>
-          <a:p>
-            <a:r>
-              <a:t>• Target Analysis: Study class distribution and imbalance</a:t>
-            </a:r>
-          </a:p>
-          <a:p>
-            <a:r>
-              <a:t>• Univariate Analysis: Examine individual feature distributions</a:t>
-            </a:r>
-          </a:p>
-          <a:p>
-            <a:r>
-              <a:t>• Bivariate Analysis: Explore relationships between features and target</a:t>
-            </a:r>
-          </a:p>
-          <a:p>
-            <a:r>
-              <a:t>• Correlation Analysis: Identify feature interdependencies</a:t>
-            </a:r>
-          </a:p>
-          <a:p>
-            <a:r>
-              <a:t>• Outlier Detection: Use boxplots to identify anomalous values</a:t>
+        <p:spPr>
+          <a:xfrm>
+            <a:off x="457200" y="854231"/>
+            <a:ext cx="8229600" cy="5654853"/>
+          </a:xfrm>
+        </p:spPr>
+        <p:txBody>
+          <a:bodyPr>
+            <a:noAutofit/>
+          </a:bodyPr>
+          <a:lstStyle/>
+          <a:p>
+            <a:pPr algn="just"/>
+            <a:r>
+              <a:rPr lang="en-US" sz="3000" i="1" dirty="0">
+                <a:latin typeface="Times New Roman" panose="02020603050405020304" pitchFamily="18" charset="0"/>
+                <a:cs typeface="Times New Roman" panose="02020603050405020304" pitchFamily="18" charset="0"/>
+              </a:rPr>
+              <a:t>Dataset: </a:t>
+            </a:r>
+            <a:r>
+              <a:rPr lang="en-US" sz="3000" dirty="0">
+                <a:latin typeface="Times New Roman" panose="02020603050405020304" pitchFamily="18" charset="0"/>
+                <a:cs typeface="Times New Roman" panose="02020603050405020304" pitchFamily="18" charset="0"/>
+              </a:rPr>
+              <a:t>Cleaned_Ethereum_Fraud_Detection.csv (from Assignment 01)</a:t>
+            </a:r>
+          </a:p>
+          <a:p>
+            <a:pPr algn="just"/>
+            <a:r>
+              <a:rPr lang="en-US" sz="3000" i="1" dirty="0">
+                <a:latin typeface="Times New Roman" panose="02020603050405020304" pitchFamily="18" charset="0"/>
+                <a:cs typeface="Times New Roman" panose="02020603050405020304" pitchFamily="18" charset="0"/>
+              </a:rPr>
+              <a:t>Description: </a:t>
+            </a:r>
+            <a:r>
+              <a:rPr lang="en-US" sz="3000" dirty="0">
+                <a:latin typeface="Times New Roman" panose="02020603050405020304" pitchFamily="18" charset="0"/>
+                <a:cs typeface="Times New Roman" panose="02020603050405020304" pitchFamily="18" charset="0"/>
+              </a:rPr>
+              <a:t>Preprocessed Ethereum transaction data</a:t>
+            </a:r>
+          </a:p>
+          <a:p>
+            <a:pPr algn="just"/>
+            <a:r>
+              <a:rPr lang="en-US" sz="3000" i="1" dirty="0">
+                <a:latin typeface="Times New Roman" panose="02020603050405020304" pitchFamily="18" charset="0"/>
+                <a:cs typeface="Times New Roman" panose="02020603050405020304" pitchFamily="18" charset="0"/>
+              </a:rPr>
+              <a:t>Features: </a:t>
+            </a:r>
+            <a:r>
+              <a:rPr lang="en-US" sz="3000" dirty="0">
+                <a:latin typeface="Times New Roman" panose="02020603050405020304" pitchFamily="18" charset="0"/>
+                <a:cs typeface="Times New Roman" panose="02020603050405020304" pitchFamily="18" charset="0"/>
+              </a:rPr>
+              <a:t>49 columns including transaction counts, ETH values, and ERC20 metrics</a:t>
+            </a:r>
+          </a:p>
+          <a:p>
+            <a:pPr algn="just"/>
+            <a:r>
+              <a:rPr lang="en-US" sz="3000" i="1" dirty="0">
+                <a:latin typeface="Times New Roman" panose="02020603050405020304" pitchFamily="18" charset="0"/>
+                <a:cs typeface="Times New Roman" panose="02020603050405020304" pitchFamily="18" charset="0"/>
+              </a:rPr>
+              <a:t>Target: </a:t>
+            </a:r>
+            <a:r>
+              <a:rPr lang="en-US" sz="3000" dirty="0">
+                <a:latin typeface="Times New Roman" panose="02020603050405020304" pitchFamily="18" charset="0"/>
+                <a:cs typeface="Times New Roman" panose="02020603050405020304" pitchFamily="18" charset="0"/>
+              </a:rPr>
+              <a:t>FLAG column (binary: 0=legitimate, 1=fraudulent)</a:t>
+            </a:r>
+          </a:p>
+          <a:p>
+            <a:pPr algn="just"/>
+            <a:r>
+              <a:rPr lang="en-US" sz="3000" i="1" dirty="0">
+                <a:latin typeface="Times New Roman" panose="02020603050405020304" pitchFamily="18" charset="0"/>
+                <a:cs typeface="Times New Roman" panose="02020603050405020304" pitchFamily="18" charset="0"/>
+              </a:rPr>
+              <a:t>Size</a:t>
+            </a:r>
+            <a:r>
+              <a:rPr lang="en-US" sz="3000" dirty="0">
+                <a:latin typeface="Times New Roman" panose="02020603050405020304" pitchFamily="18" charset="0"/>
+                <a:cs typeface="Times New Roman" panose="02020603050405020304" pitchFamily="18" charset="0"/>
+              </a:rPr>
+              <a:t>: 9841 records</a:t>
+            </a:r>
+          </a:p>
+          <a:p>
+            <a:pPr algn="just"/>
+            <a:r>
+              <a:rPr lang="en-US" sz="3000" i="1" dirty="0">
+                <a:latin typeface="Times New Roman" panose="02020603050405020304" pitchFamily="18" charset="0"/>
+                <a:cs typeface="Times New Roman" panose="02020603050405020304" pitchFamily="18" charset="0"/>
+              </a:rPr>
+              <a:t>Data types: </a:t>
+            </a:r>
+            <a:r>
+              <a:rPr lang="en-US" sz="3000" dirty="0">
+                <a:latin typeface="Times New Roman" panose="02020603050405020304" pitchFamily="18" charset="0"/>
+                <a:cs typeface="Times New Roman" panose="02020603050405020304" pitchFamily="18" charset="0"/>
+              </a:rPr>
+              <a:t>Mix of numeric (int64, float64) and categorical features</a:t>
             </a:r>
           </a:p>
         </p:txBody>
@@ -3499,7 +3873,7 @@
 </file>
 
 <file path=ppt/slides/slide4.xml><?xml version="1.0" encoding="utf-8"?>
-<p:sld xmlns:a="http://schemas.openxmlformats.org/drawingml/2006/main" xmlns:p="http://schemas.openxmlformats.org/presentationml/2006/main" xmlns:r="http://schemas.openxmlformats.org/officeDocument/2006/relationships">
+<p:sld xmlns:a="http://schemas.openxmlformats.org/drawingml/2006/main" xmlns:r="http://schemas.openxmlformats.org/officeDocument/2006/relationships" xmlns:p="http://schemas.openxmlformats.org/presentationml/2006/main">
   <p:cSld>
     <p:spTree>
       <p:nvGrpSpPr>
@@ -3507,7 +3881,14 @@
         <p:cNvGrpSpPr/>
         <p:nvPr/>
       </p:nvGrpSpPr>
-      <p:grpSpPr/>
+      <p:grpSpPr>
+        <a:xfrm>
+          <a:off x="0" y="0"/>
+          <a:ext cx="0" cy="0"/>
+          <a:chOff x="0" y="0"/>
+          <a:chExt cx="0" cy="0"/>
+        </a:xfrm>
+      </p:grpSpPr>
       <p:sp>
         <p:nvSpPr>
           <p:cNvPr id="2" name="Title 1"/>
@@ -3518,13 +3899,25 @@
             <p:ph type="title"/>
           </p:nvPr>
         </p:nvSpPr>
-        <p:spPr/>
-        <p:txBody>
-          <a:bodyPr/>
-          <a:lstStyle/>
-          <a:p>
-            <a:r>
-              <a:t>Your Project Methodology</a:t>
+        <p:spPr>
+          <a:xfrm>
+            <a:off x="457200" y="-134440"/>
+            <a:ext cx="8229600" cy="1143000"/>
+          </a:xfrm>
+        </p:spPr>
+        <p:txBody>
+          <a:bodyPr>
+            <a:normAutofit/>
+          </a:bodyPr>
+          <a:lstStyle/>
+          <a:p>
+            <a:pPr algn="l"/>
+            <a:r>
+              <a:rPr sz="3200" b="1" dirty="0">
+                <a:latin typeface="Times New Roman" panose="02020603050405020304" pitchFamily="18" charset="0"/>
+                <a:cs typeface="Times New Roman" panose="02020603050405020304" pitchFamily="18" charset="0"/>
+              </a:rPr>
+              <a:t>Analytical Approach</a:t>
             </a:r>
           </a:p>
         </p:txBody>
@@ -3539,53 +3932,85 @@
             <p:ph idx="1"/>
           </p:nvPr>
         </p:nvSpPr>
-        <p:spPr/>
-        <p:txBody>
-          <a:bodyPr/>
-          <a:lstStyle/>
-          <a:p>
-            <a:r>
-              <a:t>• Load cleaned dataset using pandas</a:t>
-            </a:r>
-          </a:p>
-          <a:p>
-            <a:r>
-              <a:t>• Perform dataset overview (shape, info, head)</a:t>
-            </a:r>
-          </a:p>
-          <a:p>
-            <a:r>
-              <a:t>• Generate descriptive statistics with describe()</a:t>
-            </a:r>
-          </a:p>
-          <a:p>
-            <a:r>
-              <a:t>• Analyze target variable distribution</a:t>
-            </a:r>
-          </a:p>
-          <a:p>
-            <a:r>
-              <a:t>• Create histograms for feature distributions</a:t>
-            </a:r>
-          </a:p>
-          <a:p>
-            <a:r>
-              <a:t>• Generate boxplots for outlier detection</a:t>
-            </a:r>
-          </a:p>
-          <a:p>
-            <a:r>
-              <a:t>• Compute correlation matrix with heatmap visualization</a:t>
-            </a:r>
-          </a:p>
-          <a:p>
-            <a:r>
-              <a:t>• Examine relationships with scatter plots</a:t>
-            </a:r>
-          </a:p>
-          <a:p>
-            <a:r>
-              <a:t>• Document key findings and insights</a:t>
+        <p:spPr>
+          <a:xfrm>
+            <a:off x="360948" y="854242"/>
+            <a:ext cx="8229600" cy="5666874"/>
+          </a:xfrm>
+        </p:spPr>
+        <p:txBody>
+          <a:bodyPr>
+            <a:noAutofit/>
+          </a:bodyPr>
+          <a:lstStyle/>
+          <a:p>
+            <a:pPr algn="just"/>
+            <a:r>
+              <a:rPr sz="2700" dirty="0">
+                <a:latin typeface="Times New Roman" panose="02020603050405020304" pitchFamily="18" charset="0"/>
+                <a:cs typeface="Times New Roman" panose="02020603050405020304" pitchFamily="18" charset="0"/>
+              </a:rPr>
+              <a:t>Dataset Overview: Examine structure, shape, and basic statistics</a:t>
+            </a:r>
+          </a:p>
+          <a:p>
+            <a:pPr algn="just"/>
+            <a:r>
+              <a:rPr sz="2700" dirty="0">
+                <a:latin typeface="Times New Roman" panose="02020603050405020304" pitchFamily="18" charset="0"/>
+                <a:cs typeface="Times New Roman" panose="02020603050405020304" pitchFamily="18" charset="0"/>
+              </a:rPr>
+              <a:t>Descriptive Statistics: Analyze central tendencies and distributions</a:t>
+            </a:r>
+          </a:p>
+          <a:p>
+            <a:pPr algn="just"/>
+            <a:r>
+              <a:rPr sz="2700" dirty="0">
+                <a:latin typeface="Times New Roman" panose="02020603050405020304" pitchFamily="18" charset="0"/>
+                <a:cs typeface="Times New Roman" panose="02020603050405020304" pitchFamily="18" charset="0"/>
+              </a:rPr>
+              <a:t>Target Analysis: Study class distribution and imbalance</a:t>
+            </a:r>
+          </a:p>
+          <a:p>
+            <a:pPr algn="just"/>
+            <a:r>
+              <a:rPr sz="2700" dirty="0">
+                <a:latin typeface="Times New Roman" panose="02020603050405020304" pitchFamily="18" charset="0"/>
+                <a:cs typeface="Times New Roman" panose="02020603050405020304" pitchFamily="18" charset="0"/>
+              </a:rPr>
+              <a:t>Univariate Analysis: Examine individual feature distributions</a:t>
+            </a:r>
+          </a:p>
+          <a:p>
+            <a:pPr algn="just"/>
+            <a:r>
+              <a:rPr sz="2700" dirty="0">
+                <a:latin typeface="Times New Roman" panose="02020603050405020304" pitchFamily="18" charset="0"/>
+                <a:cs typeface="Times New Roman" panose="02020603050405020304" pitchFamily="18" charset="0"/>
+              </a:rPr>
+              <a:t>Bivariate Analysis: Explore relationships between features and target</a:t>
+            </a:r>
+          </a:p>
+          <a:p>
+            <a:pPr algn="just"/>
+            <a:r>
+              <a:rPr sz="2700" dirty="0">
+                <a:latin typeface="Times New Roman" panose="02020603050405020304" pitchFamily="18" charset="0"/>
+                <a:cs typeface="Times New Roman" panose="02020603050405020304" pitchFamily="18" charset="0"/>
+              </a:rPr>
+              <a:t>Correlation Analysis: Identify feature interdependencies</a:t>
+            </a:r>
+          </a:p>
+          <a:p>
+            <a:pPr algn="just"/>
+            <a:r>
+              <a:rPr sz="2700" dirty="0">
+                <a:latin typeface="Times New Roman" panose="02020603050405020304" pitchFamily="18" charset="0"/>
+                <a:cs typeface="Times New Roman" panose="02020603050405020304" pitchFamily="18" charset="0"/>
+              </a:rPr>
+              <a:t>Outlier Detection: Use boxplots to identify anomalous values</a:t>
             </a:r>
           </a:p>
         </p:txBody>
@@ -3599,7 +4024,7 @@
 </file>
 
 <file path=ppt/slides/slide5.xml><?xml version="1.0" encoding="utf-8"?>
-<p:sld xmlns:a="http://schemas.openxmlformats.org/drawingml/2006/main" xmlns:p="http://schemas.openxmlformats.org/presentationml/2006/main" xmlns:r="http://schemas.openxmlformats.org/officeDocument/2006/relationships">
+<p:sld xmlns:a="http://schemas.openxmlformats.org/drawingml/2006/main" xmlns:r="http://schemas.openxmlformats.org/officeDocument/2006/relationships" xmlns:p="http://schemas.openxmlformats.org/presentationml/2006/main">
   <p:cSld>
     <p:spTree>
       <p:nvGrpSpPr>
@@ -3607,7 +4032,14 @@
         <p:cNvGrpSpPr/>
         <p:nvPr/>
       </p:nvGrpSpPr>
-      <p:grpSpPr/>
+      <p:grpSpPr>
+        <a:xfrm>
+          <a:off x="0" y="0"/>
+          <a:ext cx="0" cy="0"/>
+          <a:chOff x="0" y="0"/>
+          <a:chExt cx="0" cy="0"/>
+        </a:xfrm>
+      </p:grpSpPr>
       <p:sp>
         <p:nvSpPr>
           <p:cNvPr id="2" name="Title 1"/>
@@ -3618,13 +4050,25 @@
             <p:ph type="title"/>
           </p:nvPr>
         </p:nvSpPr>
-        <p:spPr/>
-        <p:txBody>
-          <a:bodyPr/>
-          <a:lstStyle/>
-          <a:p>
-            <a:r>
-              <a:t>Preprocessing Techniques</a:t>
+        <p:spPr>
+          <a:xfrm>
+            <a:off x="457200" y="9943"/>
+            <a:ext cx="8229600" cy="1143000"/>
+          </a:xfrm>
+        </p:spPr>
+        <p:txBody>
+          <a:bodyPr>
+            <a:normAutofit/>
+          </a:bodyPr>
+          <a:lstStyle/>
+          <a:p>
+            <a:pPr algn="l"/>
+            <a:r>
+              <a:rPr sz="3200" b="1" dirty="0">
+                <a:latin typeface="Times New Roman" panose="02020603050405020304" pitchFamily="18" charset="0"/>
+                <a:cs typeface="Times New Roman" panose="02020603050405020304" pitchFamily="18" charset="0"/>
+              </a:rPr>
+              <a:t>Project Methodology</a:t>
             </a:r>
           </a:p>
         </p:txBody>
@@ -3639,38 +4083,96 @@
             <p:ph idx="1"/>
           </p:nvPr>
         </p:nvSpPr>
-        <p:spPr/>
-        <p:txBody>
-          <a:bodyPr/>
-          <a:lstStyle/>
-          <a:p>
-            <a:r>
-              <a:t>• Data already cleaned in Assignment 01</a:t>
-            </a:r>
-          </a:p>
-          <a:p>
-            <a:r>
-              <a:t>• Column name standardization applied</a:t>
-            </a:r>
-          </a:p>
-          <a:p>
-            <a:r>
-              <a:t>• Missing values handled (filled with 0 or '0')</a:t>
-            </a:r>
-          </a:p>
-          <a:p>
-            <a:r>
-              <a:t>• Duplicate records removed</a:t>
-            </a:r>
-          </a:p>
-          <a:p>
-            <a:r>
-              <a:t>• Data types verified for analysis</a:t>
-            </a:r>
-          </a:p>
-          <a:p>
-            <a:r>
-              <a:t>• Ready for EDA without additional preprocessing</a:t>
+        <p:spPr>
+          <a:xfrm>
+            <a:off x="457200" y="1046749"/>
+            <a:ext cx="8229600" cy="5536613"/>
+          </a:xfrm>
+        </p:spPr>
+        <p:txBody>
+          <a:bodyPr>
+            <a:noAutofit/>
+          </a:bodyPr>
+          <a:lstStyle/>
+          <a:p>
+            <a:r>
+              <a:rPr sz="2800" dirty="0">
+                <a:latin typeface="Times New Roman" panose="02020603050405020304" pitchFamily="18" charset="0"/>
+                <a:cs typeface="Times New Roman" panose="02020603050405020304" pitchFamily="18" charset="0"/>
+              </a:rPr>
+              <a:t>Load cleaned dataset using pandas</a:t>
+            </a:r>
+          </a:p>
+          <a:p>
+            <a:r>
+              <a:rPr sz="2800" dirty="0">
+                <a:latin typeface="Times New Roman" panose="02020603050405020304" pitchFamily="18" charset="0"/>
+                <a:cs typeface="Times New Roman" panose="02020603050405020304" pitchFamily="18" charset="0"/>
+              </a:rPr>
+              <a:t>Perform dataset overview (shape, info, head)</a:t>
+            </a:r>
+          </a:p>
+          <a:p>
+            <a:r>
+              <a:rPr sz="2800" dirty="0">
+                <a:latin typeface="Times New Roman" panose="02020603050405020304" pitchFamily="18" charset="0"/>
+                <a:cs typeface="Times New Roman" panose="02020603050405020304" pitchFamily="18" charset="0"/>
+              </a:rPr>
+              <a:t>Generate descriptive statistics with describe()</a:t>
+            </a:r>
+          </a:p>
+          <a:p>
+            <a:r>
+              <a:rPr sz="2800" dirty="0">
+                <a:latin typeface="Times New Roman" panose="02020603050405020304" pitchFamily="18" charset="0"/>
+                <a:cs typeface="Times New Roman" panose="02020603050405020304" pitchFamily="18" charset="0"/>
+              </a:rPr>
+              <a:t>Analyze target variable distribution</a:t>
+            </a:r>
+          </a:p>
+          <a:p>
+            <a:r>
+              <a:rPr sz="2800" dirty="0">
+                <a:latin typeface="Times New Roman" panose="02020603050405020304" pitchFamily="18" charset="0"/>
+                <a:cs typeface="Times New Roman" panose="02020603050405020304" pitchFamily="18" charset="0"/>
+              </a:rPr>
+              <a:t>Create histograms for feature distributions</a:t>
+            </a:r>
+          </a:p>
+          <a:p>
+            <a:r>
+              <a:rPr sz="2800" dirty="0">
+                <a:latin typeface="Times New Roman" panose="02020603050405020304" pitchFamily="18" charset="0"/>
+                <a:cs typeface="Times New Roman" panose="02020603050405020304" pitchFamily="18" charset="0"/>
+              </a:rPr>
+              <a:t>Generate boxplots for outlier detection</a:t>
+            </a:r>
+          </a:p>
+          <a:p>
+            <a:r>
+              <a:rPr sz="2800" dirty="0">
+                <a:latin typeface="Times New Roman" panose="02020603050405020304" pitchFamily="18" charset="0"/>
+                <a:cs typeface="Times New Roman" panose="02020603050405020304" pitchFamily="18" charset="0"/>
+              </a:rPr>
+              <a:t>Compute correlation matrix with heatmap visualization</a:t>
+            </a:r>
+          </a:p>
+          <a:p>
+            <a:r>
+              <a:rPr sz="2800" dirty="0">
+                <a:latin typeface="Times New Roman" panose="02020603050405020304" pitchFamily="18" charset="0"/>
+                <a:cs typeface="Times New Roman" panose="02020603050405020304" pitchFamily="18" charset="0"/>
+              </a:rPr>
+              <a:t>Examine relationships with scatter plots</a:t>
+            </a:r>
+          </a:p>
+          <a:p>
+            <a:r>
+              <a:rPr sz="2800" dirty="0">
+                <a:latin typeface="Times New Roman" panose="02020603050405020304" pitchFamily="18" charset="0"/>
+                <a:cs typeface="Times New Roman" panose="02020603050405020304" pitchFamily="18" charset="0"/>
+              </a:rPr>
+              <a:t>Document key findings and insights</a:t>
             </a:r>
           </a:p>
         </p:txBody>
@@ -3684,7 +4186,7 @@
 </file>
 
 <file path=ppt/slides/slide6.xml><?xml version="1.0" encoding="utf-8"?>
-<p:sld xmlns:a="http://schemas.openxmlformats.org/drawingml/2006/main" xmlns:p="http://schemas.openxmlformats.org/presentationml/2006/main" xmlns:r="http://schemas.openxmlformats.org/officeDocument/2006/relationships">
+<p:sld xmlns:a="http://schemas.openxmlformats.org/drawingml/2006/main" xmlns:r="http://schemas.openxmlformats.org/officeDocument/2006/relationships" xmlns:p="http://schemas.openxmlformats.org/presentationml/2006/main">
   <p:cSld>
     <p:spTree>
       <p:nvGrpSpPr>
@@ -3692,7 +4194,14 @@
         <p:cNvGrpSpPr/>
         <p:nvPr/>
       </p:nvGrpSpPr>
-      <p:grpSpPr/>
+      <p:grpSpPr>
+        <a:xfrm>
+          <a:off x="0" y="0"/>
+          <a:ext cx="0" cy="0"/>
+          <a:chOff x="0" y="0"/>
+          <a:chExt cx="0" cy="0"/>
+        </a:xfrm>
+      </p:grpSpPr>
       <p:sp>
         <p:nvSpPr>
           <p:cNvPr id="2" name="Title 1"/>
@@ -3705,11 +4214,18 @@
         </p:nvSpPr>
         <p:spPr/>
         <p:txBody>
-          <a:bodyPr/>
-          <a:lstStyle/>
-          <a:p>
-            <a:r>
-              <a:t>Models</a:t>
+          <a:bodyPr>
+            <a:normAutofit/>
+          </a:bodyPr>
+          <a:lstStyle/>
+          <a:p>
+            <a:pPr algn="l"/>
+            <a:r>
+              <a:rPr sz="3200" b="1" dirty="0">
+                <a:latin typeface="Times New Roman" panose="02020603050405020304" pitchFamily="18" charset="0"/>
+                <a:cs typeface="Times New Roman" panose="02020603050405020304" pitchFamily="18" charset="0"/>
+              </a:rPr>
+              <a:t>Preprocessing Techniques</a:t>
             </a:r>
           </a:p>
         </p:txBody>
@@ -3726,26 +4242,68 @@
         </p:nvSpPr>
         <p:spPr/>
         <p:txBody>
-          <a:bodyPr/>
-          <a:lstStyle/>
-          <a:p>
-            <a:r>
-              <a:t>• No predictive models developed in this EDA phase</a:t>
-            </a:r>
-          </a:p>
-          <a:p>
-            <a:r>
-              <a:t>• Focus on understanding data patterns and distributions</a:t>
-            </a:r>
-          </a:p>
-          <a:p>
-            <a:r>
-              <a:t>• Insights will inform model selection in Assignment 03</a:t>
-            </a:r>
-          </a:p>
-          <a:p>
-            <a:r>
-              <a:t>• Statistical analysis rather than machine learning</a:t>
+          <a:bodyPr>
+            <a:normAutofit/>
+          </a:bodyPr>
+          <a:lstStyle/>
+          <a:p>
+            <a:pPr algn="just"/>
+            <a:r>
+              <a:rPr sz="3000" dirty="0">
+                <a:latin typeface="Times New Roman" panose="02020603050405020304" pitchFamily="18" charset="0"/>
+                <a:cs typeface="Times New Roman" panose="02020603050405020304" pitchFamily="18" charset="0"/>
+              </a:rPr>
+              <a:t>Data already cleaned in Assignment 01</a:t>
+            </a:r>
+          </a:p>
+          <a:p>
+            <a:pPr algn="just"/>
+            <a:r>
+              <a:rPr sz="3000" dirty="0">
+                <a:latin typeface="Times New Roman" panose="02020603050405020304" pitchFamily="18" charset="0"/>
+                <a:cs typeface="Times New Roman" panose="02020603050405020304" pitchFamily="18" charset="0"/>
+              </a:rPr>
+              <a:t>Column name standardization applied</a:t>
+            </a:r>
+          </a:p>
+          <a:p>
+            <a:pPr algn="just"/>
+            <a:r>
+              <a:rPr sz="3000" dirty="0">
+                <a:latin typeface="Times New Roman" panose="02020603050405020304" pitchFamily="18" charset="0"/>
+                <a:cs typeface="Times New Roman" panose="02020603050405020304" pitchFamily="18" charset="0"/>
+              </a:rPr>
+              <a:t>Missing values handled (filled with 0 or '0')</a:t>
+            </a:r>
+          </a:p>
+          <a:p>
+            <a:pPr algn="just"/>
+            <a:r>
+              <a:rPr sz="3000" dirty="0">
+                <a:latin typeface="Times New Roman" panose="02020603050405020304" pitchFamily="18" charset="0"/>
+                <a:cs typeface="Times New Roman" panose="02020603050405020304" pitchFamily="18" charset="0"/>
+              </a:rPr>
+              <a:t>Duplicate records removed</a:t>
+            </a:r>
+          </a:p>
+          <a:p>
+            <a:pPr algn="just"/>
+            <a:r>
+              <a:rPr sz="3000" dirty="0">
+                <a:latin typeface="Times New Roman" panose="02020603050405020304" pitchFamily="18" charset="0"/>
+                <a:cs typeface="Times New Roman" panose="02020603050405020304" pitchFamily="18" charset="0"/>
+              </a:rPr>
+              <a:t>Data types verified for analysis</a:t>
+            </a:r>
+          </a:p>
+          <a:p>
+            <a:pPr algn="just"/>
+            <a:r>
+              <a:rPr sz="3000" dirty="0">
+                <a:latin typeface="Times New Roman" panose="02020603050405020304" pitchFamily="18" charset="0"/>
+                <a:cs typeface="Times New Roman" panose="02020603050405020304" pitchFamily="18" charset="0"/>
+              </a:rPr>
+              <a:t>Ready for EDA without additional preprocessing</a:t>
             </a:r>
           </a:p>
         </p:txBody>
@@ -3759,7 +4317,7 @@
 </file>
 
 <file path=ppt/slides/slide7.xml><?xml version="1.0" encoding="utf-8"?>
-<p:sld xmlns:a="http://schemas.openxmlformats.org/drawingml/2006/main" xmlns:p="http://schemas.openxmlformats.org/presentationml/2006/main" xmlns:r="http://schemas.openxmlformats.org/officeDocument/2006/relationships">
+<p:sld xmlns:a="http://schemas.openxmlformats.org/drawingml/2006/main" xmlns:r="http://schemas.openxmlformats.org/officeDocument/2006/relationships" xmlns:p="http://schemas.openxmlformats.org/presentationml/2006/main">
   <p:cSld>
     <p:spTree>
       <p:nvGrpSpPr>
@@ -3767,7 +4325,14 @@
         <p:cNvGrpSpPr/>
         <p:nvPr/>
       </p:nvGrpSpPr>
-      <p:grpSpPr/>
+      <p:grpSpPr>
+        <a:xfrm>
+          <a:off x="0" y="0"/>
+          <a:ext cx="0" cy="0"/>
+          <a:chOff x="0" y="0"/>
+          <a:chExt cx="0" cy="0"/>
+        </a:xfrm>
+      </p:grpSpPr>
       <p:sp>
         <p:nvSpPr>
           <p:cNvPr id="2" name="Title 1"/>
@@ -3780,11 +4345,18 @@
         </p:nvSpPr>
         <p:spPr/>
         <p:txBody>
-          <a:bodyPr/>
-          <a:lstStyle/>
-          <a:p>
-            <a:r>
-              <a:t>Results</a:t>
+          <a:bodyPr>
+            <a:normAutofit/>
+          </a:bodyPr>
+          <a:lstStyle/>
+          <a:p>
+            <a:pPr algn="l"/>
+            <a:r>
+              <a:rPr sz="3200" b="1" dirty="0">
+                <a:latin typeface="Times New Roman" panose="02020603050405020304" pitchFamily="18" charset="0"/>
+                <a:cs typeface="Times New Roman" panose="02020603050405020304" pitchFamily="18" charset="0"/>
+              </a:rPr>
+              <a:t>Models</a:t>
             </a:r>
           </a:p>
         </p:txBody>
@@ -3801,41 +4373,48 @@
         </p:nvSpPr>
         <p:spPr/>
         <p:txBody>
-          <a:bodyPr/>
-          <a:lstStyle/>
-          <a:p>
-            <a:r>
-              <a:t>• Dataset: 9841 rows × 49 columns</a:t>
-            </a:r>
-          </a:p>
-          <a:p>
-            <a:r>
-              <a:t>• Class Distribution: Significant imbalance (mostly legitimate addresses)</a:t>
-            </a:r>
-          </a:p>
-          <a:p>
-            <a:r>
-              <a:t>• Feature Distributions: Right-skewed for transaction values</a:t>
-            </a:r>
-          </a:p>
-          <a:p>
-            <a:r>
-              <a:t>• Outliers Detected: Many features show extreme values</a:t>
-            </a:r>
-          </a:p>
-          <a:p>
-            <a:r>
-              <a:t>• Strong correlations between transaction-related features</a:t>
-            </a:r>
-          </a:p>
-          <a:p>
-            <a:r>
-              <a:t>• Fraudulent addresses show distinct patterns in ERC20 activities</a:t>
-            </a:r>
-          </a:p>
-          <a:p>
-            <a:r>
-              <a:t>• Key relationships identified between total transactions and fraud likelihood</a:t>
+          <a:bodyPr>
+            <a:normAutofit/>
+          </a:bodyPr>
+          <a:lstStyle/>
+          <a:p>
+            <a:pPr algn="just"/>
+            <a:r>
+              <a:rPr sz="3000" dirty="0">
+                <a:latin typeface="Times New Roman" panose="02020603050405020304" pitchFamily="18" charset="0"/>
+                <a:cs typeface="Times New Roman" panose="02020603050405020304" pitchFamily="18" charset="0"/>
+              </a:rPr>
+              <a:t>No predictive models developed in this EDA phase</a:t>
+            </a:r>
+          </a:p>
+          <a:p>
+            <a:pPr algn="just"/>
+            <a:r>
+              <a:rPr sz="3000" dirty="0">
+                <a:latin typeface="Times New Roman" panose="02020603050405020304" pitchFamily="18" charset="0"/>
+                <a:cs typeface="Times New Roman" panose="02020603050405020304" pitchFamily="18" charset="0"/>
+              </a:rPr>
+              <a:t>Focus on understanding data patterns and distributions</a:t>
+            </a:r>
+          </a:p>
+          <a:p>
+            <a:pPr algn="just"/>
+            <a:r>
+              <a:rPr sz="3000" dirty="0">
+                <a:latin typeface="Times New Roman" panose="02020603050405020304" pitchFamily="18" charset="0"/>
+                <a:cs typeface="Times New Roman" panose="02020603050405020304" pitchFamily="18" charset="0"/>
+              </a:rPr>
+              <a:t>Insights will inform model selection in Assignment 03</a:t>
+            </a:r>
+          </a:p>
+          <a:p>
+            <a:pPr algn="just"/>
+            <a:r>
+              <a:rPr sz="3000" dirty="0">
+                <a:latin typeface="Times New Roman" panose="02020603050405020304" pitchFamily="18" charset="0"/>
+                <a:cs typeface="Times New Roman" panose="02020603050405020304" pitchFamily="18" charset="0"/>
+              </a:rPr>
+              <a:t>Statistical analysis rather than machine learning</a:t>
             </a:r>
           </a:p>
         </p:txBody>
@@ -3849,7 +4428,7 @@
 </file>
 
 <file path=ppt/slides/slide8.xml><?xml version="1.0" encoding="utf-8"?>
-<p:sld xmlns:a="http://schemas.openxmlformats.org/drawingml/2006/main" xmlns:p="http://schemas.openxmlformats.org/presentationml/2006/main" xmlns:r="http://schemas.openxmlformats.org/officeDocument/2006/relationships">
+<p:sld xmlns:a="http://schemas.openxmlformats.org/drawingml/2006/main" xmlns:r="http://schemas.openxmlformats.org/officeDocument/2006/relationships" xmlns:p="http://schemas.openxmlformats.org/presentationml/2006/main">
   <p:cSld>
     <p:spTree>
       <p:nvGrpSpPr>
@@ -3857,7 +4436,14 @@
         <p:cNvGrpSpPr/>
         <p:nvPr/>
       </p:nvGrpSpPr>
-      <p:grpSpPr/>
+      <p:grpSpPr>
+        <a:xfrm>
+          <a:off x="0" y="0"/>
+          <a:ext cx="0" cy="0"/>
+          <a:chOff x="0" y="0"/>
+          <a:chExt cx="0" cy="0"/>
+        </a:xfrm>
+      </p:grpSpPr>
       <p:sp>
         <p:nvSpPr>
           <p:cNvPr id="2" name="Title 1"/>
@@ -3868,13 +4454,25 @@
             <p:ph type="title"/>
           </p:nvPr>
         </p:nvSpPr>
-        <p:spPr/>
-        <p:txBody>
-          <a:bodyPr/>
-          <a:lstStyle/>
-          <a:p>
-            <a:r>
-              <a:t>Your Findings and Conclusions</a:t>
+        <p:spPr>
+          <a:xfrm>
+            <a:off x="457200" y="274638"/>
+            <a:ext cx="8229600" cy="615699"/>
+          </a:xfrm>
+        </p:spPr>
+        <p:txBody>
+          <a:bodyPr>
+            <a:normAutofit/>
+          </a:bodyPr>
+          <a:lstStyle/>
+          <a:p>
+            <a:pPr algn="l"/>
+            <a:r>
+              <a:rPr sz="3200" b="1" dirty="0">
+                <a:latin typeface="Times New Roman" panose="02020603050405020304" pitchFamily="18" charset="0"/>
+                <a:cs typeface="Times New Roman" panose="02020603050405020304" pitchFamily="18" charset="0"/>
+              </a:rPr>
+              <a:t>Results</a:t>
             </a:r>
           </a:p>
         </p:txBody>
@@ -3889,38 +4487,85 @@
             <p:ph idx="1"/>
           </p:nvPr>
         </p:nvSpPr>
-        <p:spPr/>
-        <p:txBody>
-          <a:bodyPr/>
-          <a:lstStyle/>
-          <a:p>
-            <a:r>
-              <a:t>• Fraudulent addresses exhibit abnormal transaction behaviors</a:t>
-            </a:r>
-          </a:p>
-          <a:p>
-            <a:r>
-              <a:t>• ERC20 token interactions are strong fraud indicators</a:t>
-            </a:r>
-          </a:p>
-          <a:p>
-            <a:r>
-              <a:t>• Class imbalance requires special handling in modeling</a:t>
-            </a:r>
-          </a:p>
-          <a:p>
-            <a:r>
-              <a:t>• Transaction frequency and value patterns distinguish fraud</a:t>
-            </a:r>
-          </a:p>
-          <a:p>
-            <a:r>
-              <a:t>• Dataset is suitable for supervised classification</a:t>
-            </a:r>
-          </a:p>
-          <a:p>
-            <a:r>
-              <a:t>• EDA confirms behavioral patterns for fraud detection</a:t>
+        <p:spPr>
+          <a:xfrm>
+            <a:off x="457200" y="1166018"/>
+            <a:ext cx="8229600" cy="4525963"/>
+          </a:xfrm>
+        </p:spPr>
+        <p:txBody>
+          <a:bodyPr>
+            <a:noAutofit/>
+          </a:bodyPr>
+          <a:lstStyle/>
+          <a:p>
+            <a:pPr algn="just"/>
+            <a:r>
+              <a:rPr sz="2700" dirty="0">
+                <a:latin typeface="Times New Roman" panose="02020603050405020304" pitchFamily="18" charset="0"/>
+                <a:cs typeface="Times New Roman" panose="02020603050405020304" pitchFamily="18" charset="0"/>
+              </a:rPr>
+              <a:t>Dataset: 9841 rows × 49 columns</a:t>
+            </a:r>
+          </a:p>
+          <a:p>
+            <a:pPr algn="just"/>
+            <a:r>
+              <a:rPr sz="2700" dirty="0">
+                <a:latin typeface="Times New Roman" panose="02020603050405020304" pitchFamily="18" charset="0"/>
+                <a:cs typeface="Times New Roman" panose="02020603050405020304" pitchFamily="18" charset="0"/>
+              </a:rPr>
+              <a:t>Class Distribution: Significant imbalance (mostly legitimate addresses)</a:t>
+            </a:r>
+          </a:p>
+          <a:p>
+            <a:pPr algn="just"/>
+            <a:r>
+              <a:rPr sz="2700" dirty="0">
+                <a:latin typeface="Times New Roman" panose="02020603050405020304" pitchFamily="18" charset="0"/>
+                <a:cs typeface="Times New Roman" panose="02020603050405020304" pitchFamily="18" charset="0"/>
+              </a:rPr>
+              <a:t>Feature Distributions: Right-skewed for transaction values</a:t>
+            </a:r>
+          </a:p>
+          <a:p>
+            <a:pPr algn="just"/>
+            <a:r>
+              <a:rPr sz="2700" dirty="0">
+                <a:latin typeface="Times New Roman" panose="02020603050405020304" pitchFamily="18" charset="0"/>
+                <a:cs typeface="Times New Roman" panose="02020603050405020304" pitchFamily="18" charset="0"/>
+              </a:rPr>
+              <a:t>Outliers Detected: Many features show extreme values</a:t>
+            </a:r>
+          </a:p>
+          <a:p>
+            <a:pPr algn="just"/>
+            <a:r>
+              <a:rPr sz="2700" dirty="0">
+                <a:latin typeface="Times New Roman" panose="02020603050405020304" pitchFamily="18" charset="0"/>
+                <a:cs typeface="Times New Roman" panose="02020603050405020304" pitchFamily="18" charset="0"/>
+              </a:rPr>
+              <a:t>Strong correlations between transaction-related features</a:t>
+            </a:r>
+          </a:p>
+          <a:p>
+            <a:pPr algn="just"/>
+            <a:r>
+              <a:rPr sz="2700" dirty="0">
+                <a:latin typeface="Times New Roman" panose="02020603050405020304" pitchFamily="18" charset="0"/>
+                <a:cs typeface="Times New Roman" panose="02020603050405020304" pitchFamily="18" charset="0"/>
+              </a:rPr>
+              <a:t>Fraudulent addresses show distinct patterns in ERC20 activities</a:t>
+            </a:r>
+          </a:p>
+          <a:p>
+            <a:pPr algn="just"/>
+            <a:r>
+              <a:rPr sz="2700" dirty="0">
+                <a:latin typeface="Times New Roman" panose="02020603050405020304" pitchFamily="18" charset="0"/>
+                <a:cs typeface="Times New Roman" panose="02020603050405020304" pitchFamily="18" charset="0"/>
+              </a:rPr>
+              <a:t>Key relationships identified between total transactions and fraud likelihood</a:t>
             </a:r>
           </a:p>
         </p:txBody>
@@ -3934,7 +4579,7 @@
 </file>
 
 <file path=ppt/slides/slide9.xml><?xml version="1.0" encoding="utf-8"?>
-<p:sld xmlns:a="http://schemas.openxmlformats.org/drawingml/2006/main" xmlns:p="http://schemas.openxmlformats.org/presentationml/2006/main" xmlns:r="http://schemas.openxmlformats.org/officeDocument/2006/relationships">
+<p:sld xmlns:a="http://schemas.openxmlformats.org/drawingml/2006/main" xmlns:r="http://schemas.openxmlformats.org/officeDocument/2006/relationships" xmlns:p="http://schemas.openxmlformats.org/presentationml/2006/main">
   <p:cSld>
     <p:spTree>
       <p:nvGrpSpPr>
@@ -3942,7 +4587,14 @@
         <p:cNvGrpSpPr/>
         <p:nvPr/>
       </p:nvGrpSpPr>
-      <p:grpSpPr/>
+      <p:grpSpPr>
+        <a:xfrm>
+          <a:off x="0" y="0"/>
+          <a:ext cx="0" cy="0"/>
+          <a:chOff x="0" y="0"/>
+          <a:chExt cx="0" cy="0"/>
+        </a:xfrm>
+      </p:grpSpPr>
       <p:sp>
         <p:nvSpPr>
           <p:cNvPr id="2" name="Title 1"/>
@@ -3955,11 +4607,18 @@
         </p:nvSpPr>
         <p:spPr/>
         <p:txBody>
-          <a:bodyPr/>
-          <a:lstStyle/>
-          <a:p>
-            <a:r>
-              <a:t>Deployment Strategy</a:t>
+          <a:bodyPr>
+            <a:normAutofit/>
+          </a:bodyPr>
+          <a:lstStyle/>
+          <a:p>
+            <a:pPr algn="l"/>
+            <a:r>
+              <a:rPr sz="3200" b="1" dirty="0">
+                <a:latin typeface="Times New Roman" panose="02020603050405020304" pitchFamily="18" charset="0"/>
+                <a:cs typeface="Times New Roman" panose="02020603050405020304" pitchFamily="18" charset="0"/>
+              </a:rPr>
+              <a:t>Findings and Conclusions</a:t>
             </a:r>
           </a:p>
         </p:txBody>
@@ -3976,21 +4635,68 @@
         </p:nvSpPr>
         <p:spPr/>
         <p:txBody>
-          <a:bodyPr/>
-          <a:lstStyle/>
-          <a:p>
-            <a:r>
-              <a:t>• No deployment in this exploratory phase</a:t>
-            </a:r>
-          </a:p>
-          <a:p>
-            <a:r>
-              <a:t>• Findings will guide model development in Assignment 03</a:t>
-            </a:r>
-          </a:p>
-          <a:p>
-            <a:r>
-              <a:t>• Insights inform feature selection and preprocessing strategies</a:t>
+          <a:bodyPr>
+            <a:normAutofit/>
+          </a:bodyPr>
+          <a:lstStyle/>
+          <a:p>
+            <a:pPr algn="just"/>
+            <a:r>
+              <a:rPr sz="2700" dirty="0">
+                <a:latin typeface="Times New Roman" panose="02020603050405020304" pitchFamily="18" charset="0"/>
+                <a:cs typeface="Times New Roman" panose="02020603050405020304" pitchFamily="18" charset="0"/>
+              </a:rPr>
+              <a:t>Fraudulent addresses exhibit abnormal transaction behaviors</a:t>
+            </a:r>
+          </a:p>
+          <a:p>
+            <a:pPr algn="just"/>
+            <a:r>
+              <a:rPr sz="2700" dirty="0">
+                <a:latin typeface="Times New Roman" panose="02020603050405020304" pitchFamily="18" charset="0"/>
+                <a:cs typeface="Times New Roman" panose="02020603050405020304" pitchFamily="18" charset="0"/>
+              </a:rPr>
+              <a:t>ERC20 token interactions are strong fraud indicators</a:t>
+            </a:r>
+          </a:p>
+          <a:p>
+            <a:pPr algn="just"/>
+            <a:r>
+              <a:rPr sz="2700" dirty="0">
+                <a:latin typeface="Times New Roman" panose="02020603050405020304" pitchFamily="18" charset="0"/>
+                <a:cs typeface="Times New Roman" panose="02020603050405020304" pitchFamily="18" charset="0"/>
+              </a:rPr>
+              <a:t>Class imbalance requires special handling in modeling</a:t>
+            </a:r>
+          </a:p>
+          <a:p>
+            <a:pPr algn="just"/>
+            <a:r>
+              <a:rPr sz="2700" dirty="0">
+                <a:latin typeface="Times New Roman" panose="02020603050405020304" pitchFamily="18" charset="0"/>
+                <a:cs typeface="Times New Roman" panose="02020603050405020304" pitchFamily="18" charset="0"/>
+              </a:rPr>
+              <a:t>Transaction frequency and value patterns distinguish fraud</a:t>
+            </a:r>
+          </a:p>
+          <a:p>
+            <a:pPr algn="just"/>
+            <a:r>
+              <a:rPr sz="2700" dirty="0">
+                <a:latin typeface="Times New Roman" panose="02020603050405020304" pitchFamily="18" charset="0"/>
+                <a:cs typeface="Times New Roman" panose="02020603050405020304" pitchFamily="18" charset="0"/>
+              </a:rPr>
+              <a:t>Dataset is suitable for supervised classification</a:t>
+            </a:r>
+          </a:p>
+          <a:p>
+            <a:pPr algn="just"/>
+            <a:r>
+              <a:rPr sz="2700" dirty="0">
+                <a:latin typeface="Times New Roman" panose="02020603050405020304" pitchFamily="18" charset="0"/>
+                <a:cs typeface="Times New Roman" panose="02020603050405020304" pitchFamily="18" charset="0"/>
+              </a:rPr>
+              <a:t>EDA confirms behavioral patterns for fraud detection</a:t>
             </a:r>
           </a:p>
         </p:txBody>
